--- a/doc_new/Ultimate Note.pptx
+++ b/doc_new/Ultimate Note.pptx
@@ -7,7 +7,7 @@
     <p:sldMasterId id="2147483696" r:id="rId3"/>
   </p:sldMasterIdLst>
   <p:notesMasterIdLst>
-    <p:notesMasterId r:id="rId24"/>
+    <p:notesMasterId r:id="rId27"/>
   </p:notesMasterIdLst>
   <p:sldIdLst>
     <p:sldId id="263" r:id="rId4"/>
@@ -20,16 +20,19 @@
     <p:sldId id="274" r:id="rId11"/>
     <p:sldId id="275" r:id="rId12"/>
     <p:sldId id="270" r:id="rId13"/>
-    <p:sldId id="276" r:id="rId14"/>
-    <p:sldId id="277" r:id="rId15"/>
-    <p:sldId id="278" r:id="rId16"/>
-    <p:sldId id="279" r:id="rId17"/>
-    <p:sldId id="280" r:id="rId18"/>
-    <p:sldId id="282" r:id="rId19"/>
-    <p:sldId id="281" r:id="rId20"/>
-    <p:sldId id="268" r:id="rId21"/>
-    <p:sldId id="283" r:id="rId22"/>
-    <p:sldId id="284" r:id="rId23"/>
+    <p:sldId id="290" r:id="rId14"/>
+    <p:sldId id="291" r:id="rId15"/>
+    <p:sldId id="292" r:id="rId16"/>
+    <p:sldId id="276" r:id="rId17"/>
+    <p:sldId id="277" r:id="rId18"/>
+    <p:sldId id="278" r:id="rId19"/>
+    <p:sldId id="279" r:id="rId20"/>
+    <p:sldId id="280" r:id="rId21"/>
+    <p:sldId id="282" r:id="rId22"/>
+    <p:sldId id="281" r:id="rId23"/>
+    <p:sldId id="268" r:id="rId24"/>
+    <p:sldId id="283" r:id="rId25"/>
+    <p:sldId id="284" r:id="rId26"/>
   </p:sldIdLst>
   <p:sldSz cx="12192000" cy="6858000"/>
   <p:notesSz cx="6858000" cy="9144000"/>
@@ -218,7 +221,7 @@
           <a:p>
             <a:fld id="{0B82C969-D435-4C7F-89EE-2AE57DBB7683}" type="datetimeFigureOut">
               <a:rPr lang="zh-CN" altLang="en-US" smtClean="0"/>
-              <a:t>2016/4/23</a:t>
+              <a:t>2016/4/25</a:t>
             </a:fld>
             <a:endParaRPr lang="zh-CN" altLang="en-US"/>
           </a:p>
@@ -999,7 +1002,7 @@
     </p:spTree>
     <p:extLst>
       <p:ext uri="{BB962C8B-B14F-4D97-AF65-F5344CB8AC3E}">
-        <p14:creationId xmlns:p14="http://schemas.microsoft.com/office/powerpoint/2010/main" val="3655926764"/>
+        <p14:creationId xmlns:p14="http://schemas.microsoft.com/office/powerpoint/2010/main" val="1414983047"/>
       </p:ext>
     </p:extLst>
   </p:cSld>
@@ -1141,26 +1144,17 @@
           <a:lstStyle/>
           <a:p>
             <a:fld id="{55FF93BD-0802-498B-86F2-FACB1EFDF5CA}" type="slidenum">
-              <a:rPr lang="zh-CN" altLang="en-US" smtClean="0">
-                <a:solidFill>
-                  <a:prstClr val="black"/>
-                </a:solidFill>
-              </a:rPr>
-              <a:pPr/>
-              <a:t>15</a:t>
+              <a:rPr lang="zh-CN" altLang="en-US" smtClean="0"/>
+              <a:t>14</a:t>
             </a:fld>
-            <a:endParaRPr lang="zh-CN" altLang="en-US">
-              <a:solidFill>
-                <a:prstClr val="black"/>
-              </a:solidFill>
-            </a:endParaRPr>
+            <a:endParaRPr lang="zh-CN" altLang="en-US"/>
           </a:p>
         </p:txBody>
       </p:sp>
     </p:spTree>
     <p:extLst>
       <p:ext uri="{BB962C8B-B14F-4D97-AF65-F5344CB8AC3E}">
-        <p14:creationId xmlns:p14="http://schemas.microsoft.com/office/powerpoint/2010/main" val="965590302"/>
+        <p14:creationId xmlns:p14="http://schemas.microsoft.com/office/powerpoint/2010/main" val="1171534543"/>
       </p:ext>
     </p:extLst>
   </p:cSld>
@@ -1303,7 +1297,7 @@
           <a:p>
             <a:fld id="{55FF93BD-0802-498B-86F2-FACB1EFDF5CA}" type="slidenum">
               <a:rPr lang="zh-CN" altLang="en-US" smtClean="0"/>
-              <a:t>16</a:t>
+              <a:t>15</a:t>
             </a:fld>
             <a:endParaRPr lang="zh-CN" altLang="en-US"/>
           </a:p>
@@ -1312,7 +1306,7 @@
     </p:spTree>
     <p:extLst>
       <p:ext uri="{BB962C8B-B14F-4D97-AF65-F5344CB8AC3E}">
-        <p14:creationId xmlns:p14="http://schemas.microsoft.com/office/powerpoint/2010/main" val="3043846455"/>
+        <p14:creationId xmlns:p14="http://schemas.microsoft.com/office/powerpoint/2010/main" val="3620898880"/>
       </p:ext>
     </p:extLst>
   </p:cSld>
@@ -1454,26 +1448,17 @@
           <a:lstStyle/>
           <a:p>
             <a:fld id="{55FF93BD-0802-498B-86F2-FACB1EFDF5CA}" type="slidenum">
-              <a:rPr lang="zh-CN" altLang="en-US" smtClean="0">
-                <a:solidFill>
-                  <a:prstClr val="black"/>
-                </a:solidFill>
-              </a:rPr>
-              <a:pPr/>
-              <a:t>17</a:t>
+              <a:rPr lang="zh-CN" altLang="en-US" smtClean="0"/>
+              <a:t>16</a:t>
             </a:fld>
-            <a:endParaRPr lang="zh-CN" altLang="en-US">
-              <a:solidFill>
-                <a:prstClr val="black"/>
-              </a:solidFill>
-            </a:endParaRPr>
+            <a:endParaRPr lang="zh-CN" altLang="en-US"/>
           </a:p>
         </p:txBody>
       </p:sp>
     </p:spTree>
     <p:extLst>
       <p:ext uri="{BB962C8B-B14F-4D97-AF65-F5344CB8AC3E}">
-        <p14:creationId xmlns:p14="http://schemas.microsoft.com/office/powerpoint/2010/main" val="2191949897"/>
+        <p14:creationId xmlns:p14="http://schemas.microsoft.com/office/powerpoint/2010/main" val="3655926764"/>
       </p:ext>
     </p:extLst>
   </p:cSld>
@@ -1529,27 +1514,72 @@
           <a:p>
             <a:r>
               <a:rPr lang="zh-CN" altLang="en-US" dirty="0" smtClean="0"/>
-              <a:t>在确定了我们认为的终极笔记需要具备的属性之后，我们对现在</a:t>
+              <a:t>对于我们来说，我们真正需要的是一款什么样的笔记软</a:t>
+            </a:r>
+            <a:endParaRPr lang="en-US" altLang="zh-CN" dirty="0" smtClean="0"/>
+          </a:p>
+          <a:p>
+            <a:r>
+              <a:rPr lang="zh-CN" altLang="en-US" dirty="0" smtClean="0"/>
+              <a:t>首先作为一款笔记软件，要能提供人性化的笔记管理方式。</a:t>
+            </a:r>
+            <a:endParaRPr lang="en-US" altLang="zh-CN" dirty="0" smtClean="0"/>
+          </a:p>
+          <a:p>
+            <a:r>
+              <a:rPr lang="zh-CN" altLang="en-US" dirty="0" smtClean="0"/>
+              <a:t>还要有良好的</a:t>
             </a:r>
             <a:r>
               <a:rPr lang="en-US" altLang="zh-CN" dirty="0" smtClean="0"/>
-              <a:t>android</a:t>
+              <a:t>UI</a:t>
             </a:r>
             <a:r>
               <a:rPr lang="zh-CN" altLang="en-US" dirty="0" smtClean="0"/>
-              <a:t>市场中的笔记本软件进行了体验与我们的</a:t>
-            </a:r>
-            <a:r>
-              <a:rPr lang="en-US" altLang="zh-CN" dirty="0" err="1" smtClean="0"/>
-              <a:t>UltimateNote</a:t>
-            </a:r>
+              <a:t>设计，交互设计</a:t>
+            </a:r>
+            <a:endParaRPr lang="en-US" altLang="zh-CN" dirty="0" smtClean="0"/>
+          </a:p>
+          <a:p>
             <a:r>
               <a:rPr lang="zh-CN" altLang="en-US" dirty="0" smtClean="0"/>
-              <a:t>进行了比较，结果如下。</a:t>
+              <a:t>在现在信息化越来越发达，但仍然有很多重要的信息是存储在纸质化的介质中的，</a:t>
             </a:r>
             <a:endParaRPr lang="en-US" altLang="zh-CN" dirty="0" smtClean="0"/>
           </a:p>
           <a:p>
+            <a:r>
+              <a:rPr lang="zh-CN" altLang="en-US" dirty="0" smtClean="0"/>
+              <a:t>为了环保，推进无纸化生活，但同时又为了保存存储在纸质化介质中的信息，</a:t>
+            </a:r>
+            <a:endParaRPr lang="en-US" altLang="zh-CN" dirty="0" smtClean="0"/>
+          </a:p>
+          <a:p>
+            <a:r>
+              <a:rPr lang="zh-CN" altLang="en-US" dirty="0" smtClean="0"/>
+              <a:t>我们需要提供一种将纸质化转化为电子化信息的功能。</a:t>
+            </a:r>
+            <a:endParaRPr lang="en-US" altLang="zh-CN" dirty="0" smtClean="0"/>
+          </a:p>
+          <a:p>
+            <a:r>
+              <a:rPr lang="zh-CN" altLang="en-US" dirty="0" smtClean="0"/>
+              <a:t>此外，信息安全对每个人都很重要，笔记信息更是包含了很多个人的重要信息，</a:t>
+            </a:r>
+            <a:endParaRPr lang="en-US" altLang="zh-CN" dirty="0" smtClean="0"/>
+          </a:p>
+          <a:p>
+            <a:r>
+              <a:rPr lang="zh-CN" altLang="en-US" dirty="0" smtClean="0"/>
+              <a:t>所以我们认为可靠的存储也是必不可少的。</a:t>
+            </a:r>
+            <a:endParaRPr lang="en-US" altLang="zh-CN" dirty="0" smtClean="0"/>
+          </a:p>
+          <a:p>
+            <a:r>
+              <a:rPr lang="zh-CN" altLang="en-US" dirty="0" smtClean="0"/>
+              <a:t>另一个高优先级的属性就是要有高效的输入方式。</a:t>
+            </a:r>
             <a:endParaRPr lang="zh-CN" altLang="en-US" dirty="0"/>
           </a:p>
         </p:txBody>
@@ -1570,8 +1600,437 @@
           <a:lstStyle/>
           <a:p>
             <a:fld id="{55FF93BD-0802-498B-86F2-FACB1EFDF5CA}" type="slidenum">
+              <a:rPr lang="zh-CN" altLang="en-US" smtClean="0">
+                <a:solidFill>
+                  <a:prstClr val="black"/>
+                </a:solidFill>
+              </a:rPr>
+              <a:pPr/>
+              <a:t>18</a:t>
+            </a:fld>
+            <a:endParaRPr lang="zh-CN" altLang="en-US">
+              <a:solidFill>
+                <a:prstClr val="black"/>
+              </a:solidFill>
+            </a:endParaRPr>
+          </a:p>
+        </p:txBody>
+      </p:sp>
+    </p:spTree>
+    <p:extLst>
+      <p:ext uri="{BB962C8B-B14F-4D97-AF65-F5344CB8AC3E}">
+        <p14:creationId xmlns:p14="http://schemas.microsoft.com/office/powerpoint/2010/main" val="965590302"/>
+      </p:ext>
+    </p:extLst>
+  </p:cSld>
+  <p:clrMapOvr>
+    <a:masterClrMapping/>
+  </p:clrMapOvr>
+</p:notes>
+</file>
+
+<file path=ppt/notesSlides/notesSlide15.xml><?xml version="1.0" encoding="utf-8"?>
+<p:notes xmlns:a="http://schemas.openxmlformats.org/drawingml/2006/main" xmlns:r="http://schemas.openxmlformats.org/officeDocument/2006/relationships" xmlns:p="http://schemas.openxmlformats.org/presentationml/2006/main">
+  <p:cSld>
+    <p:spTree>
+      <p:nvGrpSpPr>
+        <p:cNvPr id="1" name=""/>
+        <p:cNvGrpSpPr/>
+        <p:nvPr/>
+      </p:nvGrpSpPr>
+      <p:grpSpPr>
+        <a:xfrm>
+          <a:off x="0" y="0"/>
+          <a:ext cx="0" cy="0"/>
+          <a:chOff x="0" y="0"/>
+          <a:chExt cx="0" cy="0"/>
+        </a:xfrm>
+      </p:grpSpPr>
+      <p:sp>
+        <p:nvSpPr>
+          <p:cNvPr id="2" name="幻灯片图像占位符 1"/>
+          <p:cNvSpPr>
+            <a:spLocks noGrp="1" noRot="1" noChangeAspect="1"/>
+          </p:cNvSpPr>
+          <p:nvPr>
+            <p:ph type="sldImg"/>
+          </p:nvPr>
+        </p:nvSpPr>
+        <p:spPr/>
+      </p:sp>
+      <p:sp>
+        <p:nvSpPr>
+          <p:cNvPr id="3" name="备注占位符 2"/>
+          <p:cNvSpPr>
+            <a:spLocks noGrp="1"/>
+          </p:cNvSpPr>
+          <p:nvPr>
+            <p:ph type="body" idx="1"/>
+          </p:nvPr>
+        </p:nvSpPr>
+        <p:spPr/>
+        <p:txBody>
+          <a:bodyPr/>
+          <a:lstStyle/>
+          <a:p>
+            <a:r>
+              <a:rPr lang="zh-CN" altLang="en-US" dirty="0" smtClean="0"/>
+              <a:t>对于我们来说，我们真正需要的是一款什么样的笔记软</a:t>
+            </a:r>
+            <a:endParaRPr lang="en-US" altLang="zh-CN" dirty="0" smtClean="0"/>
+          </a:p>
+          <a:p>
+            <a:r>
+              <a:rPr lang="zh-CN" altLang="en-US" dirty="0" smtClean="0"/>
+              <a:t>首先作为一款笔记软件，要能提供人性化的笔记管理方式。</a:t>
+            </a:r>
+            <a:endParaRPr lang="en-US" altLang="zh-CN" dirty="0" smtClean="0"/>
+          </a:p>
+          <a:p>
+            <a:r>
+              <a:rPr lang="zh-CN" altLang="en-US" dirty="0" smtClean="0"/>
+              <a:t>还要有良好的</a:t>
+            </a:r>
+            <a:r>
+              <a:rPr lang="en-US" altLang="zh-CN" dirty="0" smtClean="0"/>
+              <a:t>UI</a:t>
+            </a:r>
+            <a:r>
+              <a:rPr lang="zh-CN" altLang="en-US" dirty="0" smtClean="0"/>
+              <a:t>设计，交互设计</a:t>
+            </a:r>
+            <a:endParaRPr lang="en-US" altLang="zh-CN" dirty="0" smtClean="0"/>
+          </a:p>
+          <a:p>
+            <a:r>
+              <a:rPr lang="zh-CN" altLang="en-US" dirty="0" smtClean="0"/>
+              <a:t>在现在信息化越来越发达，但仍然有很多重要的信息是存储在纸质化的介质中的，</a:t>
+            </a:r>
+            <a:endParaRPr lang="en-US" altLang="zh-CN" dirty="0" smtClean="0"/>
+          </a:p>
+          <a:p>
+            <a:r>
+              <a:rPr lang="zh-CN" altLang="en-US" dirty="0" smtClean="0"/>
+              <a:t>为了环保，推进无纸化生活，但同时又为了保存存储在纸质化介质中的信息，</a:t>
+            </a:r>
+            <a:endParaRPr lang="en-US" altLang="zh-CN" dirty="0" smtClean="0"/>
+          </a:p>
+          <a:p>
+            <a:r>
+              <a:rPr lang="zh-CN" altLang="en-US" dirty="0" smtClean="0"/>
+              <a:t>我们需要提供一种将纸质化转化为电子化信息的功能。</a:t>
+            </a:r>
+            <a:endParaRPr lang="en-US" altLang="zh-CN" dirty="0" smtClean="0"/>
+          </a:p>
+          <a:p>
+            <a:r>
+              <a:rPr lang="zh-CN" altLang="en-US" dirty="0" smtClean="0"/>
+              <a:t>此外，信息安全对每个人都很重要，笔记信息更是包含了很多个人的重要信息，</a:t>
+            </a:r>
+            <a:endParaRPr lang="en-US" altLang="zh-CN" dirty="0" smtClean="0"/>
+          </a:p>
+          <a:p>
+            <a:r>
+              <a:rPr lang="zh-CN" altLang="en-US" dirty="0" smtClean="0"/>
+              <a:t>所以我们认为可靠的存储也是必不可少的。</a:t>
+            </a:r>
+            <a:endParaRPr lang="en-US" altLang="zh-CN" dirty="0" smtClean="0"/>
+          </a:p>
+          <a:p>
+            <a:r>
+              <a:rPr lang="zh-CN" altLang="en-US" dirty="0" smtClean="0"/>
+              <a:t>另一个高优先级的属性就是要有高效的输入方式。</a:t>
+            </a:r>
+            <a:endParaRPr lang="zh-CN" altLang="en-US" dirty="0"/>
+          </a:p>
+        </p:txBody>
+      </p:sp>
+      <p:sp>
+        <p:nvSpPr>
+          <p:cNvPr id="4" name="灯片编号占位符 3"/>
+          <p:cNvSpPr>
+            <a:spLocks noGrp="1"/>
+          </p:cNvSpPr>
+          <p:nvPr>
+            <p:ph type="sldNum" sz="quarter" idx="10"/>
+          </p:nvPr>
+        </p:nvSpPr>
+        <p:spPr/>
+        <p:txBody>
+          <a:bodyPr/>
+          <a:lstStyle/>
+          <a:p>
+            <a:fld id="{55FF93BD-0802-498B-86F2-FACB1EFDF5CA}" type="slidenum">
               <a:rPr lang="zh-CN" altLang="en-US" smtClean="0"/>
-              <a:t>18</a:t>
+              <a:t>19</a:t>
+            </a:fld>
+            <a:endParaRPr lang="zh-CN" altLang="en-US"/>
+          </a:p>
+        </p:txBody>
+      </p:sp>
+    </p:spTree>
+    <p:extLst>
+      <p:ext uri="{BB962C8B-B14F-4D97-AF65-F5344CB8AC3E}">
+        <p14:creationId xmlns:p14="http://schemas.microsoft.com/office/powerpoint/2010/main" val="3043846455"/>
+      </p:ext>
+    </p:extLst>
+  </p:cSld>
+  <p:clrMapOvr>
+    <a:masterClrMapping/>
+  </p:clrMapOvr>
+</p:notes>
+</file>
+
+<file path=ppt/notesSlides/notesSlide16.xml><?xml version="1.0" encoding="utf-8"?>
+<p:notes xmlns:a="http://schemas.openxmlformats.org/drawingml/2006/main" xmlns:r="http://schemas.openxmlformats.org/officeDocument/2006/relationships" xmlns:p="http://schemas.openxmlformats.org/presentationml/2006/main">
+  <p:cSld>
+    <p:spTree>
+      <p:nvGrpSpPr>
+        <p:cNvPr id="1" name=""/>
+        <p:cNvGrpSpPr/>
+        <p:nvPr/>
+      </p:nvGrpSpPr>
+      <p:grpSpPr>
+        <a:xfrm>
+          <a:off x="0" y="0"/>
+          <a:ext cx="0" cy="0"/>
+          <a:chOff x="0" y="0"/>
+          <a:chExt cx="0" cy="0"/>
+        </a:xfrm>
+      </p:grpSpPr>
+      <p:sp>
+        <p:nvSpPr>
+          <p:cNvPr id="2" name="幻灯片图像占位符 1"/>
+          <p:cNvSpPr>
+            <a:spLocks noGrp="1" noRot="1" noChangeAspect="1"/>
+          </p:cNvSpPr>
+          <p:nvPr>
+            <p:ph type="sldImg"/>
+          </p:nvPr>
+        </p:nvSpPr>
+        <p:spPr/>
+      </p:sp>
+      <p:sp>
+        <p:nvSpPr>
+          <p:cNvPr id="3" name="备注占位符 2"/>
+          <p:cNvSpPr>
+            <a:spLocks noGrp="1"/>
+          </p:cNvSpPr>
+          <p:nvPr>
+            <p:ph type="body" idx="1"/>
+          </p:nvPr>
+        </p:nvSpPr>
+        <p:spPr/>
+        <p:txBody>
+          <a:bodyPr/>
+          <a:lstStyle/>
+          <a:p>
+            <a:r>
+              <a:rPr lang="zh-CN" altLang="en-US" dirty="0" smtClean="0"/>
+              <a:t>对于我们来说，我们真正需要的是一款什么样的笔记软</a:t>
+            </a:r>
+            <a:endParaRPr lang="en-US" altLang="zh-CN" dirty="0" smtClean="0"/>
+          </a:p>
+          <a:p>
+            <a:r>
+              <a:rPr lang="zh-CN" altLang="en-US" dirty="0" smtClean="0"/>
+              <a:t>首先作为一款笔记软件，要能提供人性化的笔记管理方式。</a:t>
+            </a:r>
+            <a:endParaRPr lang="en-US" altLang="zh-CN" dirty="0" smtClean="0"/>
+          </a:p>
+          <a:p>
+            <a:r>
+              <a:rPr lang="zh-CN" altLang="en-US" dirty="0" smtClean="0"/>
+              <a:t>还要有良好的</a:t>
+            </a:r>
+            <a:r>
+              <a:rPr lang="en-US" altLang="zh-CN" dirty="0" smtClean="0"/>
+              <a:t>UI</a:t>
+            </a:r>
+            <a:r>
+              <a:rPr lang="zh-CN" altLang="en-US" dirty="0" smtClean="0"/>
+              <a:t>设计，交互设计</a:t>
+            </a:r>
+            <a:endParaRPr lang="en-US" altLang="zh-CN" dirty="0" smtClean="0"/>
+          </a:p>
+          <a:p>
+            <a:r>
+              <a:rPr lang="zh-CN" altLang="en-US" dirty="0" smtClean="0"/>
+              <a:t>在现在信息化越来越发达，但仍然有很多重要的信息是存储在纸质化的介质中的，</a:t>
+            </a:r>
+            <a:endParaRPr lang="en-US" altLang="zh-CN" dirty="0" smtClean="0"/>
+          </a:p>
+          <a:p>
+            <a:r>
+              <a:rPr lang="zh-CN" altLang="en-US" dirty="0" smtClean="0"/>
+              <a:t>为了环保，推进无纸化生活，但同时又为了保存存储在纸质化介质中的信息，</a:t>
+            </a:r>
+            <a:endParaRPr lang="en-US" altLang="zh-CN" dirty="0" smtClean="0"/>
+          </a:p>
+          <a:p>
+            <a:r>
+              <a:rPr lang="zh-CN" altLang="en-US" dirty="0" smtClean="0"/>
+              <a:t>我们需要提供一种将纸质化转化为电子化信息的功能。</a:t>
+            </a:r>
+            <a:endParaRPr lang="en-US" altLang="zh-CN" dirty="0" smtClean="0"/>
+          </a:p>
+          <a:p>
+            <a:r>
+              <a:rPr lang="zh-CN" altLang="en-US" dirty="0" smtClean="0"/>
+              <a:t>此外，信息安全对每个人都很重要，笔记信息更是包含了很多个人的重要信息，</a:t>
+            </a:r>
+            <a:endParaRPr lang="en-US" altLang="zh-CN" dirty="0" smtClean="0"/>
+          </a:p>
+          <a:p>
+            <a:r>
+              <a:rPr lang="zh-CN" altLang="en-US" dirty="0" smtClean="0"/>
+              <a:t>所以我们认为可靠的存储也是必不可少的。</a:t>
+            </a:r>
+            <a:endParaRPr lang="en-US" altLang="zh-CN" dirty="0" smtClean="0"/>
+          </a:p>
+          <a:p>
+            <a:r>
+              <a:rPr lang="zh-CN" altLang="en-US" dirty="0" smtClean="0"/>
+              <a:t>另一个高优先级的属性就是要有高效的输入方式。</a:t>
+            </a:r>
+            <a:endParaRPr lang="zh-CN" altLang="en-US" dirty="0"/>
+          </a:p>
+        </p:txBody>
+      </p:sp>
+      <p:sp>
+        <p:nvSpPr>
+          <p:cNvPr id="4" name="灯片编号占位符 3"/>
+          <p:cNvSpPr>
+            <a:spLocks noGrp="1"/>
+          </p:cNvSpPr>
+          <p:nvPr>
+            <p:ph type="sldNum" sz="quarter" idx="10"/>
+          </p:nvPr>
+        </p:nvSpPr>
+        <p:spPr/>
+        <p:txBody>
+          <a:bodyPr/>
+          <a:lstStyle/>
+          <a:p>
+            <a:fld id="{55FF93BD-0802-498B-86F2-FACB1EFDF5CA}" type="slidenum">
+              <a:rPr lang="zh-CN" altLang="en-US" smtClean="0">
+                <a:solidFill>
+                  <a:prstClr val="black"/>
+                </a:solidFill>
+              </a:rPr>
+              <a:pPr/>
+              <a:t>20</a:t>
+            </a:fld>
+            <a:endParaRPr lang="zh-CN" altLang="en-US">
+              <a:solidFill>
+                <a:prstClr val="black"/>
+              </a:solidFill>
+            </a:endParaRPr>
+          </a:p>
+        </p:txBody>
+      </p:sp>
+    </p:spTree>
+    <p:extLst>
+      <p:ext uri="{BB962C8B-B14F-4D97-AF65-F5344CB8AC3E}">
+        <p14:creationId xmlns:p14="http://schemas.microsoft.com/office/powerpoint/2010/main" val="2191949897"/>
+      </p:ext>
+    </p:extLst>
+  </p:cSld>
+  <p:clrMapOvr>
+    <a:masterClrMapping/>
+  </p:clrMapOvr>
+</p:notes>
+</file>
+
+<file path=ppt/notesSlides/notesSlide17.xml><?xml version="1.0" encoding="utf-8"?>
+<p:notes xmlns:a="http://schemas.openxmlformats.org/drawingml/2006/main" xmlns:r="http://schemas.openxmlformats.org/officeDocument/2006/relationships" xmlns:p="http://schemas.openxmlformats.org/presentationml/2006/main">
+  <p:cSld>
+    <p:spTree>
+      <p:nvGrpSpPr>
+        <p:cNvPr id="1" name=""/>
+        <p:cNvGrpSpPr/>
+        <p:nvPr/>
+      </p:nvGrpSpPr>
+      <p:grpSpPr>
+        <a:xfrm>
+          <a:off x="0" y="0"/>
+          <a:ext cx="0" cy="0"/>
+          <a:chOff x="0" y="0"/>
+          <a:chExt cx="0" cy="0"/>
+        </a:xfrm>
+      </p:grpSpPr>
+      <p:sp>
+        <p:nvSpPr>
+          <p:cNvPr id="2" name="幻灯片图像占位符 1"/>
+          <p:cNvSpPr>
+            <a:spLocks noGrp="1" noRot="1" noChangeAspect="1"/>
+          </p:cNvSpPr>
+          <p:nvPr>
+            <p:ph type="sldImg"/>
+          </p:nvPr>
+        </p:nvSpPr>
+        <p:spPr/>
+      </p:sp>
+      <p:sp>
+        <p:nvSpPr>
+          <p:cNvPr id="3" name="备注占位符 2"/>
+          <p:cNvSpPr>
+            <a:spLocks noGrp="1"/>
+          </p:cNvSpPr>
+          <p:nvPr>
+            <p:ph type="body" idx="1"/>
+          </p:nvPr>
+        </p:nvSpPr>
+        <p:spPr/>
+        <p:txBody>
+          <a:bodyPr/>
+          <a:lstStyle/>
+          <a:p>
+            <a:r>
+              <a:rPr lang="zh-CN" altLang="en-US" dirty="0" smtClean="0"/>
+              <a:t>在确定了我们认为的终极笔记需要具备的属性之后，我们对现在</a:t>
+            </a:r>
+            <a:r>
+              <a:rPr lang="en-US" altLang="zh-CN" dirty="0" smtClean="0"/>
+              <a:t>android</a:t>
+            </a:r>
+            <a:r>
+              <a:rPr lang="zh-CN" altLang="en-US" dirty="0" smtClean="0"/>
+              <a:t>市场中的笔记本软件进行了体验与我们的</a:t>
+            </a:r>
+            <a:r>
+              <a:rPr lang="en-US" altLang="zh-CN" dirty="0" err="1" smtClean="0"/>
+              <a:t>UltimateNote</a:t>
+            </a:r>
+            <a:r>
+              <a:rPr lang="zh-CN" altLang="en-US" dirty="0" smtClean="0"/>
+              <a:t>进行了比较，结果如下。</a:t>
+            </a:r>
+            <a:endParaRPr lang="en-US" altLang="zh-CN" dirty="0" smtClean="0"/>
+          </a:p>
+          <a:p>
+            <a:endParaRPr lang="zh-CN" altLang="en-US" dirty="0"/>
+          </a:p>
+        </p:txBody>
+      </p:sp>
+      <p:sp>
+        <p:nvSpPr>
+          <p:cNvPr id="4" name="灯片编号占位符 3"/>
+          <p:cNvSpPr>
+            <a:spLocks noGrp="1"/>
+          </p:cNvSpPr>
+          <p:nvPr>
+            <p:ph type="sldNum" sz="quarter" idx="10"/>
+          </p:nvPr>
+        </p:nvSpPr>
+        <p:spPr/>
+        <p:txBody>
+          <a:bodyPr/>
+          <a:lstStyle/>
+          <a:p>
+            <a:fld id="{55FF93BD-0802-498B-86F2-FACB1EFDF5CA}" type="slidenum">
+              <a:rPr lang="zh-CN" altLang="en-US" smtClean="0"/>
+              <a:t>21</a:t>
             </a:fld>
             <a:endParaRPr lang="zh-CN" altLang="en-US"/>
           </a:p>
@@ -2644,7 +3103,7 @@
     </p:spTree>
     <p:extLst>
       <p:ext uri="{BB962C8B-B14F-4D97-AF65-F5344CB8AC3E}">
-        <p14:creationId xmlns:p14="http://schemas.microsoft.com/office/powerpoint/2010/main" val="1171534543"/>
+        <p14:creationId xmlns:p14="http://schemas.microsoft.com/office/powerpoint/2010/main" val="3545979192"/>
       </p:ext>
     </p:extLst>
   </p:cSld>
@@ -2796,7 +3255,7 @@
     </p:spTree>
     <p:extLst>
       <p:ext uri="{BB962C8B-B14F-4D97-AF65-F5344CB8AC3E}">
-        <p14:creationId xmlns:p14="http://schemas.microsoft.com/office/powerpoint/2010/main" val="3620898880"/>
+        <p14:creationId xmlns:p14="http://schemas.microsoft.com/office/powerpoint/2010/main" val="3293790685"/>
       </p:ext>
     </p:extLst>
   </p:cSld>
@@ -2944,7 +3403,7 @@
                 </a:solidFill>
               </a:rPr>
               <a:pPr/>
-              <a:t>2016/4/23</a:t>
+              <a:t>2016/4/25</a:t>
             </a:fld>
             <a:endParaRPr lang="zh-CN" altLang="en-US">
               <a:solidFill>
@@ -3146,7 +3605,7 @@
                 </a:solidFill>
               </a:rPr>
               <a:pPr/>
-              <a:t>2016/4/23</a:t>
+              <a:t>2016/4/25</a:t>
             </a:fld>
             <a:endParaRPr lang="zh-CN" altLang="en-US">
               <a:solidFill>
@@ -3358,7 +3817,7 @@
                 </a:solidFill>
               </a:rPr>
               <a:pPr/>
-              <a:t>2016/4/23</a:t>
+              <a:t>2016/4/25</a:t>
             </a:fld>
             <a:endParaRPr lang="zh-CN" altLang="en-US">
               <a:solidFill>
@@ -3585,7 +4044,7 @@
                 </a:solidFill>
               </a:rPr>
               <a:pPr/>
-              <a:t>2016/4/23</a:t>
+              <a:t>2016/4/25</a:t>
             </a:fld>
             <a:endParaRPr lang="zh-CN" altLang="en-US">
               <a:solidFill>
@@ -3794,7 +4253,7 @@
                 </a:solidFill>
               </a:rPr>
               <a:pPr/>
-              <a:t>2016/4/23</a:t>
+              <a:t>2016/4/25</a:t>
             </a:fld>
             <a:endParaRPr lang="zh-CN" altLang="en-US">
               <a:solidFill>
@@ -4072,7 +4531,7 @@
                 </a:solidFill>
               </a:rPr>
               <a:pPr/>
-              <a:t>2016/4/23</a:t>
+              <a:t>2016/4/25</a:t>
             </a:fld>
             <a:endParaRPr lang="zh-CN" altLang="en-US">
               <a:solidFill>
@@ -4336,7 +4795,7 @@
                 </a:solidFill>
               </a:rPr>
               <a:pPr/>
-              <a:t>2016/4/23</a:t>
+              <a:t>2016/4/25</a:t>
             </a:fld>
             <a:endParaRPr lang="zh-CN" altLang="en-US">
               <a:solidFill>
@@ -4735,7 +5194,7 @@
                 </a:solidFill>
               </a:rPr>
               <a:pPr/>
-              <a:t>2016/4/23</a:t>
+              <a:t>2016/4/25</a:t>
             </a:fld>
             <a:endParaRPr lang="zh-CN" altLang="en-US">
               <a:solidFill>
@@ -4885,7 +5344,7 @@
                 </a:solidFill>
               </a:rPr>
               <a:pPr/>
-              <a:t>2016/4/23</a:t>
+              <a:t>2016/4/25</a:t>
             </a:fld>
             <a:endParaRPr lang="zh-CN" altLang="en-US">
               <a:solidFill>
@@ -5012,7 +5471,7 @@
                 </a:solidFill>
               </a:rPr>
               <a:pPr/>
-              <a:t>2016/4/23</a:t>
+              <a:t>2016/4/25</a:t>
             </a:fld>
             <a:endParaRPr lang="zh-CN" altLang="en-US">
               <a:solidFill>
@@ -5321,7 +5780,7 @@
                 </a:solidFill>
               </a:rPr>
               <a:pPr/>
-              <a:t>2016/4/23</a:t>
+              <a:t>2016/4/25</a:t>
             </a:fld>
             <a:endParaRPr lang="zh-CN" altLang="en-US">
               <a:solidFill>
@@ -5523,7 +5982,7 @@
                 </a:solidFill>
               </a:rPr>
               <a:pPr/>
-              <a:t>2016/4/23</a:t>
+              <a:t>2016/4/25</a:t>
             </a:fld>
             <a:endParaRPr lang="zh-CN" altLang="en-US">
               <a:solidFill>
@@ -5808,7 +6267,7 @@
                 </a:solidFill>
               </a:rPr>
               <a:pPr/>
-              <a:t>2016/4/23</a:t>
+              <a:t>2016/4/25</a:t>
             </a:fld>
             <a:endParaRPr lang="zh-CN" altLang="en-US">
               <a:solidFill>
@@ -6010,7 +6469,7 @@
                 </a:solidFill>
               </a:rPr>
               <a:pPr/>
-              <a:t>2016/4/23</a:t>
+              <a:t>2016/4/25</a:t>
             </a:fld>
             <a:endParaRPr lang="zh-CN" altLang="en-US">
               <a:solidFill>
@@ -6222,7 +6681,7 @@
                 </a:solidFill>
               </a:rPr>
               <a:pPr/>
-              <a:t>2016/4/23</a:t>
+              <a:t>2016/4/25</a:t>
             </a:fld>
             <a:endParaRPr lang="zh-CN" altLang="en-US">
               <a:solidFill>
@@ -6446,7 +6905,7 @@
                 </a:solidFill>
               </a:rPr>
               <a:pPr/>
-              <a:t>2016/4/23</a:t>
+              <a:t>2016/4/25</a:t>
             </a:fld>
             <a:endParaRPr lang="zh-CN" altLang="en-US">
               <a:solidFill>
@@ -6648,7 +7107,7 @@
                 </a:solidFill>
               </a:rPr>
               <a:pPr/>
-              <a:t>2016/4/23</a:t>
+              <a:t>2016/4/25</a:t>
             </a:fld>
             <a:endParaRPr lang="zh-CN" altLang="en-US">
               <a:solidFill>
@@ -6926,7 +7385,7 @@
                 </a:solidFill>
               </a:rPr>
               <a:pPr/>
-              <a:t>2016/4/23</a:t>
+              <a:t>2016/4/25</a:t>
             </a:fld>
             <a:endParaRPr lang="zh-CN" altLang="en-US">
               <a:solidFill>
@@ -7190,7 +7649,7 @@
                 </a:solidFill>
               </a:rPr>
               <a:pPr/>
-              <a:t>2016/4/23</a:t>
+              <a:t>2016/4/25</a:t>
             </a:fld>
             <a:endParaRPr lang="zh-CN" altLang="en-US">
               <a:solidFill>
@@ -7589,7 +8048,7 @@
                 </a:solidFill>
               </a:rPr>
               <a:pPr/>
-              <a:t>2016/4/23</a:t>
+              <a:t>2016/4/25</a:t>
             </a:fld>
             <a:endParaRPr lang="zh-CN" altLang="en-US">
               <a:solidFill>
@@ -7739,7 +8198,7 @@
                 </a:solidFill>
               </a:rPr>
               <a:pPr/>
-              <a:t>2016/4/23</a:t>
+              <a:t>2016/4/25</a:t>
             </a:fld>
             <a:endParaRPr lang="zh-CN" altLang="en-US">
               <a:solidFill>
@@ -7866,7 +8325,7 @@
                 </a:solidFill>
               </a:rPr>
               <a:pPr/>
-              <a:t>2016/4/23</a:t>
+              <a:t>2016/4/25</a:t>
             </a:fld>
             <a:endParaRPr lang="zh-CN" altLang="en-US">
               <a:solidFill>
@@ -8144,7 +8603,7 @@
                 </a:solidFill>
               </a:rPr>
               <a:pPr/>
-              <a:t>2016/4/23</a:t>
+              <a:t>2016/4/25</a:t>
             </a:fld>
             <a:endParaRPr lang="zh-CN" altLang="en-US">
               <a:solidFill>
@@ -8453,7 +8912,7 @@
                 </a:solidFill>
               </a:rPr>
               <a:pPr/>
-              <a:t>2016/4/23</a:t>
+              <a:t>2016/4/25</a:t>
             </a:fld>
             <a:endParaRPr lang="zh-CN" altLang="en-US">
               <a:solidFill>
@@ -8738,7 +9197,7 @@
                 </a:solidFill>
               </a:rPr>
               <a:pPr/>
-              <a:t>2016/4/23</a:t>
+              <a:t>2016/4/25</a:t>
             </a:fld>
             <a:endParaRPr lang="zh-CN" altLang="en-US">
               <a:solidFill>
@@ -8940,7 +9399,7 @@
                 </a:solidFill>
               </a:rPr>
               <a:pPr/>
-              <a:t>2016/4/23</a:t>
+              <a:t>2016/4/25</a:t>
             </a:fld>
             <a:endParaRPr lang="zh-CN" altLang="en-US">
               <a:solidFill>
@@ -9152,7 +9611,7 @@
                 </a:solidFill>
               </a:rPr>
               <a:pPr/>
-              <a:t>2016/4/23</a:t>
+              <a:t>2016/4/25</a:t>
             </a:fld>
             <a:endParaRPr lang="zh-CN" altLang="en-US">
               <a:solidFill>
@@ -9416,7 +9875,7 @@
                 </a:solidFill>
               </a:rPr>
               <a:pPr/>
-              <a:t>2016/4/23</a:t>
+              <a:t>2016/4/25</a:t>
             </a:fld>
             <a:endParaRPr lang="zh-CN" altLang="en-US">
               <a:solidFill>
@@ -9815,7 +10274,7 @@
                 </a:solidFill>
               </a:rPr>
               <a:pPr/>
-              <a:t>2016/4/23</a:t>
+              <a:t>2016/4/25</a:t>
             </a:fld>
             <a:endParaRPr lang="zh-CN" altLang="en-US">
               <a:solidFill>
@@ -9965,7 +10424,7 @@
                 </a:solidFill>
               </a:rPr>
               <a:pPr/>
-              <a:t>2016/4/23</a:t>
+              <a:t>2016/4/25</a:t>
             </a:fld>
             <a:endParaRPr lang="zh-CN" altLang="en-US">
               <a:solidFill>
@@ -10311,7 +10770,7 @@
                 </a:solidFill>
               </a:rPr>
               <a:pPr/>
-              <a:t>2016/4/23</a:t>
+              <a:t>2016/4/25</a:t>
             </a:fld>
             <a:endParaRPr lang="zh-CN" altLang="en-US">
               <a:solidFill>
@@ -10596,7 +11055,7 @@
                 </a:solidFill>
               </a:rPr>
               <a:pPr/>
-              <a:t>2016/4/23</a:t>
+              <a:t>2016/4/25</a:t>
             </a:fld>
             <a:endParaRPr lang="zh-CN" altLang="en-US">
               <a:solidFill>
@@ -10844,7 +11303,7 @@
                 </a:solidFill>
               </a:rPr>
               <a:pPr/>
-              <a:t>2016/4/23</a:t>
+              <a:t>2016/4/25</a:t>
             </a:fld>
             <a:endParaRPr lang="zh-CN" altLang="en-US">
               <a:solidFill>
@@ -11423,7 +11882,7 @@
                 </a:solidFill>
               </a:rPr>
               <a:pPr/>
-              <a:t>2016/4/23</a:t>
+              <a:t>2016/4/25</a:t>
             </a:fld>
             <a:endParaRPr lang="zh-CN" altLang="en-US">
               <a:solidFill>
@@ -11995,7 +12454,7 @@
                 </a:solidFill>
               </a:rPr>
               <a:pPr/>
-              <a:t>2016/4/23</a:t>
+              <a:t>2016/4/25</a:t>
             </a:fld>
             <a:endParaRPr lang="zh-CN" altLang="en-US">
               <a:solidFill>
@@ -14739,13 +15198,6 @@
               </a:rPr>
               <a:t>Module </a:t>
             </a:r>
-            <a:endParaRPr lang="en-US" altLang="zh-CN" sz="4000" dirty="0" smtClean="0">
-              <a:solidFill>
-                <a:srgbClr val="000000"/>
-              </a:solidFill>
-              <a:latin typeface="Roboto" pitchFamily="2" charset="0"/>
-              <a:ea typeface="+mj-ea"/>
-            </a:endParaRPr>
           </a:p>
           <a:p>
             <a:r>
@@ -17307,13 +17759,30 @@
             <a:lstStyle/>
             <a:p>
               <a:r>
-                <a:rPr lang="zh-CN" altLang="en-US" sz="1600" dirty="0" smtClean="0"/>
-                <a:t>二值化 </a:t>
+                <a:rPr lang="zh-CN" altLang="en-US" sz="1600" dirty="0"/>
+                <a:t>去</a:t>
               </a:r>
               <a:r>
-                <a:rPr lang="en-US" altLang="zh-CN" sz="1600" dirty="0" smtClean="0"/>
-                <a:t>binary</a:t>
+                <a:rPr lang="zh-CN" altLang="en-US" sz="1600" dirty="0" smtClean="0"/>
+                <a:t>色</a:t>
               </a:r>
+              <a:r>
+                <a:rPr lang="zh-CN" altLang="en-US" sz="1600" dirty="0"/>
+                <a:t>，</a:t>
+              </a:r>
+              <a:r>
+                <a:rPr lang="zh-CN" altLang="en-US" sz="1600" dirty="0" smtClean="0"/>
+                <a:t>二</a:t>
+              </a:r>
+              <a:r>
+                <a:rPr lang="zh-CN" altLang="en-US" sz="1600" dirty="0" smtClean="0"/>
+                <a:t>值</a:t>
+              </a:r>
+              <a:r>
+                <a:rPr lang="zh-CN" altLang="en-US" sz="1600" dirty="0" smtClean="0"/>
+                <a:t>化</a:t>
+              </a:r>
+              <a:endParaRPr lang="en-US" altLang="zh-CN" sz="1600" dirty="0" smtClean="0"/>
             </a:p>
             <a:p>
               <a:r>
@@ -17322,11 +17791,11 @@
               </a:r>
               <a:r>
                 <a:rPr lang="zh-CN" altLang="en-US" sz="1600" dirty="0" smtClean="0"/>
-                <a:t>噪，锐化 </a:t>
+                <a:t>噪，</a:t>
               </a:r>
               <a:r>
-                <a:rPr lang="en-US" altLang="zh-CN" sz="1600" dirty="0" err="1" smtClean="0"/>
-                <a:t>doNoise</a:t>
+                <a:rPr lang="zh-CN" altLang="en-US" sz="1600" dirty="0" smtClean="0"/>
+                <a:t>锐化</a:t>
               </a:r>
               <a:endParaRPr lang="zh-CN" altLang="en-US" sz="1600" dirty="0"/>
             </a:p>
@@ -18769,6 +19238,1501 @@
           </a:p>
         </p:txBody>
       </p:sp>
+      <p:pic>
+        <p:nvPicPr>
+          <p:cNvPr id="11" name="Picture 3" descr="me_color"/>
+          <p:cNvPicPr>
+            <a:picLocks noChangeAspect="1" noChangeArrowheads="1"/>
+          </p:cNvPicPr>
+          <p:nvPr/>
+        </p:nvPicPr>
+        <p:blipFill>
+          <a:blip r:embed="rId3">
+            <a:extLst>
+              <a:ext uri="{28A0092B-C50C-407E-A947-70E740481C1C}">
+                <a14:useLocalDpi xmlns:a14="http://schemas.microsoft.com/office/drawing/2010/main" val="0"/>
+              </a:ext>
+            </a:extLst>
+          </a:blip>
+          <a:srcRect/>
+          <a:stretch>
+            <a:fillRect/>
+          </a:stretch>
+        </p:blipFill>
+        <p:spPr bwMode="auto">
+          <a:xfrm>
+            <a:off x="2628900" y="393700"/>
+            <a:ext cx="2652713" cy="2616200"/>
+          </a:xfrm>
+          <a:prstGeom prst="rect">
+            <a:avLst/>
+          </a:prstGeom>
+          <a:noFill/>
+          <a:ln>
+            <a:noFill/>
+          </a:ln>
+          <a:extLst>
+            <a:ext uri="{909E8E84-426E-40DD-AFC4-6F175D3DCCD1}">
+              <a14:hiddenFill xmlns:a14="http://schemas.microsoft.com/office/drawing/2010/main">
+                <a:solidFill>
+                  <a:srgbClr val="FFFFFF"/>
+                </a:solidFill>
+              </a14:hiddenFill>
+            </a:ext>
+            <a:ext uri="{91240B29-F687-4F45-9708-019B960494DF}">
+              <a14:hiddenLine xmlns:a14="http://schemas.microsoft.com/office/drawing/2010/main" w="9525">
+                <a:solidFill>
+                  <a:srgbClr val="000000"/>
+                </a:solidFill>
+                <a:miter lim="800000"/>
+                <a:headEnd/>
+                <a:tailEnd/>
+              </a14:hiddenLine>
+            </a:ext>
+          </a:extLst>
+        </p:spPr>
+      </p:pic>
+      <p:pic>
+        <p:nvPicPr>
+          <p:cNvPr id="14" name="Picture 4" descr="me_grey"/>
+          <p:cNvPicPr>
+            <a:picLocks noChangeAspect="1" noChangeArrowheads="1"/>
+          </p:cNvPicPr>
+          <p:nvPr/>
+        </p:nvPicPr>
+        <p:blipFill>
+          <a:blip r:embed="rId4">
+            <a:extLst>
+              <a:ext uri="{28A0092B-C50C-407E-A947-70E740481C1C}">
+                <a14:useLocalDpi xmlns:a14="http://schemas.microsoft.com/office/drawing/2010/main" val="0"/>
+              </a:ext>
+            </a:extLst>
+          </a:blip>
+          <a:srcRect/>
+          <a:stretch>
+            <a:fillRect/>
+          </a:stretch>
+        </p:blipFill>
+        <p:spPr bwMode="auto">
+          <a:xfrm>
+            <a:off x="6575426" y="393700"/>
+            <a:ext cx="2663825" cy="2616200"/>
+          </a:xfrm>
+          <a:prstGeom prst="rect">
+            <a:avLst/>
+          </a:prstGeom>
+          <a:noFill/>
+          <a:ln>
+            <a:noFill/>
+          </a:ln>
+          <a:extLst>
+            <a:ext uri="{909E8E84-426E-40DD-AFC4-6F175D3DCCD1}">
+              <a14:hiddenFill xmlns:a14="http://schemas.microsoft.com/office/drawing/2010/main">
+                <a:solidFill>
+                  <a:srgbClr val="FFFFFF"/>
+                </a:solidFill>
+              </a14:hiddenFill>
+            </a:ext>
+            <a:ext uri="{91240B29-F687-4F45-9708-019B960494DF}">
+              <a14:hiddenLine xmlns:a14="http://schemas.microsoft.com/office/drawing/2010/main" w="9525">
+                <a:solidFill>
+                  <a:srgbClr val="000000"/>
+                </a:solidFill>
+                <a:miter lim="800000"/>
+                <a:headEnd/>
+                <a:tailEnd/>
+              </a14:hiddenLine>
+            </a:ext>
+          </a:extLst>
+        </p:spPr>
+      </p:pic>
+      <p:pic>
+        <p:nvPicPr>
+          <p:cNvPr id="15" name="图片 3"/>
+          <p:cNvPicPr>
+            <a:picLocks noChangeAspect="1" noChangeArrowheads="1"/>
+          </p:cNvPicPr>
+          <p:nvPr/>
+        </p:nvPicPr>
+        <p:blipFill>
+          <a:blip r:embed="rId5">
+            <a:extLst>
+              <a:ext uri="{28A0092B-C50C-407E-A947-70E740481C1C}">
+                <a14:useLocalDpi xmlns:a14="http://schemas.microsoft.com/office/drawing/2010/main" val="0"/>
+              </a:ext>
+            </a:extLst>
+          </a:blip>
+          <a:srcRect/>
+          <a:stretch>
+            <a:fillRect/>
+          </a:stretch>
+        </p:blipFill>
+        <p:spPr bwMode="auto">
+          <a:xfrm>
+            <a:off x="2628900" y="3276600"/>
+            <a:ext cx="6896101" cy="3139310"/>
+          </a:xfrm>
+          <a:prstGeom prst="rect">
+            <a:avLst/>
+          </a:prstGeom>
+          <a:noFill/>
+          <a:ln>
+            <a:noFill/>
+          </a:ln>
+          <a:extLst>
+            <a:ext uri="{909E8E84-426E-40DD-AFC4-6F175D3DCCD1}">
+              <a14:hiddenFill xmlns:a14="http://schemas.microsoft.com/office/drawing/2010/main">
+                <a:solidFill>
+                  <a:srgbClr val="FFFFFF"/>
+                </a:solidFill>
+              </a14:hiddenFill>
+            </a:ext>
+            <a:ext uri="{91240B29-F687-4F45-9708-019B960494DF}">
+              <a14:hiddenLine xmlns:a14="http://schemas.microsoft.com/office/drawing/2010/main" w="9525">
+                <a:solidFill>
+                  <a:srgbClr val="000000"/>
+                </a:solidFill>
+                <a:miter lim="800000"/>
+                <a:headEnd/>
+                <a:tailEnd/>
+              </a14:hiddenLine>
+            </a:ext>
+          </a:extLst>
+        </p:spPr>
+      </p:pic>
+    </p:spTree>
+    <p:extLst>
+      <p:ext uri="{BB962C8B-B14F-4D97-AF65-F5344CB8AC3E}">
+        <p14:creationId xmlns:p14="http://schemas.microsoft.com/office/powerpoint/2010/main" val="3962274754"/>
+      </p:ext>
+    </p:extLst>
+  </p:cSld>
+  <p:clrMapOvr>
+    <a:masterClrMapping/>
+  </p:clrMapOvr>
+  <mc:AlternateContent xmlns:mc="http://schemas.openxmlformats.org/markup-compatibility/2006" xmlns:p14="http://schemas.microsoft.com/office/powerpoint/2010/main">
+    <mc:Choice Requires="p14">
+      <p:transition spd="med" p14:dur="700">
+        <p:fade/>
+      </p:transition>
+    </mc:Choice>
+    <mc:Fallback xmlns="">
+      <p:transition spd="med">
+        <p:fade/>
+      </p:transition>
+    </mc:Fallback>
+  </mc:AlternateContent>
+  <p:timing>
+    <p:tnLst>
+      <p:par>
+        <p:cTn id="1" dur="indefinite" restart="never" nodeType="tmRoot"/>
+      </p:par>
+    </p:tnLst>
+  </p:timing>
+</p:sld>
+</file>
+
+<file path=ppt/slides/slide12.xml><?xml version="1.0" encoding="utf-8"?>
+<p:sld xmlns:a="http://schemas.openxmlformats.org/drawingml/2006/main" xmlns:r="http://schemas.openxmlformats.org/officeDocument/2006/relationships" xmlns:p="http://schemas.openxmlformats.org/presentationml/2006/main">
+  <p:cSld>
+    <p:spTree>
+      <p:nvGrpSpPr>
+        <p:cNvPr id="1" name=""/>
+        <p:cNvGrpSpPr/>
+        <p:nvPr/>
+      </p:nvGrpSpPr>
+      <p:grpSpPr>
+        <a:xfrm>
+          <a:off x="0" y="0"/>
+          <a:ext cx="0" cy="0"/>
+          <a:chOff x="0" y="0"/>
+          <a:chExt cx="0" cy="0"/>
+        </a:xfrm>
+      </p:grpSpPr>
+      <p:cxnSp>
+        <p:nvCxnSpPr>
+          <p:cNvPr id="12" name="直接连接符 11"/>
+          <p:cNvCxnSpPr/>
+          <p:nvPr/>
+        </p:nvCxnSpPr>
+        <p:spPr>
+          <a:xfrm>
+            <a:off x="-19051" y="6587114"/>
+            <a:ext cx="12211051" cy="0"/>
+          </a:xfrm>
+          <a:prstGeom prst="line">
+            <a:avLst/>
+          </a:prstGeom>
+          <a:ln w="19050">
+            <a:solidFill>
+              <a:srgbClr val="515C73"/>
+            </a:solidFill>
+          </a:ln>
+        </p:spPr>
+        <p:style>
+          <a:lnRef idx="1">
+            <a:schemeClr val="accent1"/>
+          </a:lnRef>
+          <a:fillRef idx="0">
+            <a:schemeClr val="accent1"/>
+          </a:fillRef>
+          <a:effectRef idx="0">
+            <a:schemeClr val="accent1"/>
+          </a:effectRef>
+          <a:fontRef idx="minor">
+            <a:schemeClr val="tx1"/>
+          </a:fontRef>
+        </p:style>
+      </p:cxnSp>
+      <p:grpSp>
+        <p:nvGrpSpPr>
+          <p:cNvPr id="9" name="组合 8"/>
+          <p:cNvGrpSpPr/>
+          <p:nvPr/>
+        </p:nvGrpSpPr>
+        <p:grpSpPr>
+          <a:xfrm>
+            <a:off x="-19051" y="340072"/>
+            <a:ext cx="1957261" cy="675969"/>
+            <a:chOff x="285749" y="263872"/>
+            <a:chExt cx="1957261" cy="675969"/>
+          </a:xfrm>
+        </p:grpSpPr>
+        <p:grpSp>
+          <p:nvGrpSpPr>
+            <p:cNvPr id="4" name="组合 3"/>
+            <p:cNvGrpSpPr/>
+            <p:nvPr/>
+          </p:nvGrpSpPr>
+          <p:grpSpPr>
+            <a:xfrm flipH="1">
+              <a:off x="285749" y="263872"/>
+              <a:ext cx="1623000" cy="675969"/>
+              <a:chOff x="3533690" y="533400"/>
+              <a:chExt cx="1637426" cy="675969"/>
+            </a:xfrm>
+            <a:solidFill>
+              <a:srgbClr val="EE1C39"/>
+            </a:solidFill>
+          </p:grpSpPr>
+          <p:sp>
+            <p:nvSpPr>
+              <p:cNvPr id="5" name="矩形 4"/>
+              <p:cNvSpPr/>
+              <p:nvPr/>
+            </p:nvSpPr>
+            <p:spPr>
+              <a:xfrm>
+                <a:off x="3806724" y="533400"/>
+                <a:ext cx="1364392" cy="675969"/>
+              </a:xfrm>
+              <a:prstGeom prst="rect">
+                <a:avLst/>
+              </a:prstGeom>
+              <a:grpFill/>
+              <a:ln>
+                <a:noFill/>
+              </a:ln>
+            </p:spPr>
+            <p:style>
+              <a:lnRef idx="2">
+                <a:schemeClr val="accent1">
+                  <a:shade val="50000"/>
+                </a:schemeClr>
+              </a:lnRef>
+              <a:fillRef idx="1">
+                <a:schemeClr val="accent1"/>
+              </a:fillRef>
+              <a:effectRef idx="0">
+                <a:schemeClr val="accent1"/>
+              </a:effectRef>
+              <a:fontRef idx="minor">
+                <a:schemeClr val="lt1"/>
+              </a:fontRef>
+            </p:style>
+            <p:txBody>
+              <a:bodyPr rot="0" spcFirstLastPara="0" vertOverflow="overflow" horzOverflow="overflow" vert="horz" wrap="square" lIns="91440" tIns="45720" rIns="91440" bIns="45720" numCol="1" spcCol="0" rtlCol="0" fromWordArt="0" anchor="ctr" anchorCtr="0" forceAA="0" compatLnSpc="1">
+                <a:prstTxWarp prst="textNoShape">
+                  <a:avLst/>
+                </a:prstTxWarp>
+                <a:noAutofit/>
+              </a:bodyPr>
+              <a:lstStyle/>
+              <a:p>
+                <a:pPr algn="ctr"/>
+                <a:endParaRPr lang="zh-CN" altLang="en-US">
+                  <a:solidFill>
+                    <a:srgbClr val="FFFFFF"/>
+                  </a:solidFill>
+                </a:endParaRPr>
+              </a:p>
+            </p:txBody>
+          </p:sp>
+          <p:sp>
+            <p:nvSpPr>
+              <p:cNvPr id="6" name="椭圆 5"/>
+              <p:cNvSpPr/>
+              <p:nvPr/>
+            </p:nvSpPr>
+            <p:spPr>
+              <a:xfrm>
+                <a:off x="3533690" y="533400"/>
+                <a:ext cx="623734" cy="675969"/>
+              </a:xfrm>
+              <a:prstGeom prst="ellipse">
+                <a:avLst/>
+              </a:prstGeom>
+              <a:grpFill/>
+              <a:ln>
+                <a:noFill/>
+              </a:ln>
+            </p:spPr>
+            <p:style>
+              <a:lnRef idx="2">
+                <a:schemeClr val="accent1">
+                  <a:shade val="50000"/>
+                </a:schemeClr>
+              </a:lnRef>
+              <a:fillRef idx="1">
+                <a:schemeClr val="accent1"/>
+              </a:fillRef>
+              <a:effectRef idx="0">
+                <a:schemeClr val="accent1"/>
+              </a:effectRef>
+              <a:fontRef idx="minor">
+                <a:schemeClr val="lt1"/>
+              </a:fontRef>
+            </p:style>
+            <p:txBody>
+              <a:bodyPr rot="0" spcFirstLastPara="0" vertOverflow="overflow" horzOverflow="overflow" vert="horz" wrap="square" lIns="91440" tIns="45720" rIns="91440" bIns="45720" numCol="1" spcCol="0" rtlCol="0" fromWordArt="0" anchor="ctr" anchorCtr="0" forceAA="0" compatLnSpc="1">
+                <a:prstTxWarp prst="textNoShape">
+                  <a:avLst/>
+                </a:prstTxWarp>
+                <a:noAutofit/>
+              </a:bodyPr>
+              <a:lstStyle/>
+              <a:p>
+                <a:pPr algn="ctr"/>
+                <a:endParaRPr lang="zh-CN" altLang="en-US">
+                  <a:solidFill>
+                    <a:srgbClr val="FFFFFF"/>
+                  </a:solidFill>
+                </a:endParaRPr>
+              </a:p>
+            </p:txBody>
+          </p:sp>
+        </p:grpSp>
+        <p:sp>
+          <p:nvSpPr>
+            <p:cNvPr id="8" name="文本框 7"/>
+            <p:cNvSpPr txBox="1"/>
+            <p:nvPr/>
+          </p:nvSpPr>
+          <p:spPr>
+            <a:xfrm>
+              <a:off x="1100010" y="309468"/>
+              <a:ext cx="1143000" cy="584775"/>
+            </a:xfrm>
+            <a:prstGeom prst="rect">
+              <a:avLst/>
+            </a:prstGeom>
+            <a:noFill/>
+          </p:spPr>
+          <p:txBody>
+            <a:bodyPr wrap="square" rtlCol="0">
+              <a:spAutoFit/>
+            </a:bodyPr>
+            <a:lstStyle/>
+            <a:p>
+              <a:r>
+                <a:rPr lang="en-US" altLang="zh-CN" sz="3200" spc="300" dirty="0" smtClean="0">
+                  <a:solidFill>
+                    <a:srgbClr val="FFFFFF"/>
+                  </a:solidFill>
+                  <a:latin typeface="Roboto" pitchFamily="2" charset="0"/>
+                </a:rPr>
+                <a:t>02</a:t>
+              </a:r>
+              <a:endParaRPr lang="zh-CN" altLang="en-US" sz="3200" spc="300" dirty="0">
+                <a:solidFill>
+                  <a:srgbClr val="FFFFFF"/>
+                </a:solidFill>
+                <a:latin typeface="Roboto" pitchFamily="2" charset="0"/>
+              </a:endParaRPr>
+            </a:p>
+          </p:txBody>
+        </p:sp>
+      </p:grpSp>
+      <p:sp>
+        <p:nvSpPr>
+          <p:cNvPr id="10" name="灯片编号占位符 9"/>
+          <p:cNvSpPr>
+            <a:spLocks noGrp="1"/>
+          </p:cNvSpPr>
+          <p:nvPr>
+            <p:ph type="sldNum" sz="quarter" idx="12"/>
+          </p:nvPr>
+        </p:nvSpPr>
+        <p:spPr>
+          <a:xfrm>
+            <a:off x="11359821" y="6424885"/>
+            <a:ext cx="476250" cy="320675"/>
+          </a:xfrm>
+          <a:solidFill>
+            <a:srgbClr val="EE1C39"/>
+          </a:solidFill>
+        </p:spPr>
+        <p:txBody>
+          <a:bodyPr/>
+          <a:lstStyle/>
+          <a:p>
+            <a:pPr algn="ctr"/>
+            <a:fld id="{AFAE5B16-0F33-4EE9-AE34-61D676368225}" type="slidenum">
+              <a:rPr lang="zh-CN" altLang="en-US" sz="1800" smtClean="0">
+                <a:solidFill>
+                  <a:srgbClr val="FFFFFF"/>
+                </a:solidFill>
+                <a:latin typeface="Roboto" pitchFamily="2" charset="0"/>
+              </a:rPr>
+              <a:pPr algn="ctr"/>
+              <a:t>12</a:t>
+            </a:fld>
+            <a:endParaRPr lang="zh-CN" altLang="en-US" sz="1800" dirty="0">
+              <a:solidFill>
+                <a:srgbClr val="FFFFFF"/>
+              </a:solidFill>
+              <a:latin typeface="Roboto" pitchFamily="2" charset="0"/>
+            </a:endParaRPr>
+          </a:p>
+        </p:txBody>
+      </p:sp>
+      <p:pic>
+        <p:nvPicPr>
+          <p:cNvPr id="11" name="Picture 3" descr="me_bin"/>
+          <p:cNvPicPr>
+            <a:picLocks noChangeAspect="1" noChangeArrowheads="1"/>
+          </p:cNvPicPr>
+          <p:nvPr/>
+        </p:nvPicPr>
+        <p:blipFill>
+          <a:blip r:embed="rId3">
+            <a:extLst>
+              <a:ext uri="{28A0092B-C50C-407E-A947-70E740481C1C}">
+                <a14:useLocalDpi xmlns:a14="http://schemas.microsoft.com/office/drawing/2010/main" val="0"/>
+              </a:ext>
+            </a:extLst>
+          </a:blip>
+          <a:srcRect/>
+          <a:stretch>
+            <a:fillRect/>
+          </a:stretch>
+        </p:blipFill>
+        <p:spPr bwMode="auto">
+          <a:xfrm>
+            <a:off x="6484939" y="407988"/>
+            <a:ext cx="2708275" cy="2652712"/>
+          </a:xfrm>
+          <a:prstGeom prst="rect">
+            <a:avLst/>
+          </a:prstGeom>
+          <a:noFill/>
+          <a:ln>
+            <a:noFill/>
+          </a:ln>
+          <a:extLst>
+            <a:ext uri="{909E8E84-426E-40DD-AFC4-6F175D3DCCD1}">
+              <a14:hiddenFill xmlns:a14="http://schemas.microsoft.com/office/drawing/2010/main">
+                <a:solidFill>
+                  <a:srgbClr val="FFFFFF"/>
+                </a:solidFill>
+              </a14:hiddenFill>
+            </a:ext>
+            <a:ext uri="{91240B29-F687-4F45-9708-019B960494DF}">
+              <a14:hiddenLine xmlns:a14="http://schemas.microsoft.com/office/drawing/2010/main" w="9525">
+                <a:solidFill>
+                  <a:srgbClr val="000000"/>
+                </a:solidFill>
+                <a:miter lim="800000"/>
+                <a:headEnd/>
+                <a:tailEnd/>
+              </a14:hiddenLine>
+            </a:ext>
+          </a:extLst>
+        </p:spPr>
+      </p:pic>
+      <p:pic>
+        <p:nvPicPr>
+          <p:cNvPr id="14" name="Picture 4" descr="me_grey"/>
+          <p:cNvPicPr>
+            <a:picLocks noChangeAspect="1" noChangeArrowheads="1"/>
+          </p:cNvPicPr>
+          <p:nvPr/>
+        </p:nvPicPr>
+        <p:blipFill>
+          <a:blip r:embed="rId4">
+            <a:extLst>
+              <a:ext uri="{28A0092B-C50C-407E-A947-70E740481C1C}">
+                <a14:useLocalDpi xmlns:a14="http://schemas.microsoft.com/office/drawing/2010/main" val="0"/>
+              </a:ext>
+            </a:extLst>
+          </a:blip>
+          <a:srcRect/>
+          <a:stretch>
+            <a:fillRect/>
+          </a:stretch>
+        </p:blipFill>
+        <p:spPr bwMode="auto">
+          <a:xfrm>
+            <a:off x="2639923" y="407988"/>
+            <a:ext cx="2703513" cy="2652712"/>
+          </a:xfrm>
+          <a:prstGeom prst="rect">
+            <a:avLst/>
+          </a:prstGeom>
+          <a:noFill/>
+          <a:ln>
+            <a:noFill/>
+          </a:ln>
+          <a:extLst>
+            <a:ext uri="{909E8E84-426E-40DD-AFC4-6F175D3DCCD1}">
+              <a14:hiddenFill xmlns:a14="http://schemas.microsoft.com/office/drawing/2010/main">
+                <a:solidFill>
+                  <a:srgbClr val="FFFFFF"/>
+                </a:solidFill>
+              </a14:hiddenFill>
+            </a:ext>
+            <a:ext uri="{91240B29-F687-4F45-9708-019B960494DF}">
+              <a14:hiddenLine xmlns:a14="http://schemas.microsoft.com/office/drawing/2010/main" w="9525">
+                <a:solidFill>
+                  <a:srgbClr val="000000"/>
+                </a:solidFill>
+                <a:miter lim="800000"/>
+                <a:headEnd/>
+                <a:tailEnd/>
+              </a14:hiddenLine>
+            </a:ext>
+          </a:extLst>
+        </p:spPr>
+      </p:pic>
+      <p:pic>
+        <p:nvPicPr>
+          <p:cNvPr id="15" name="图片 3"/>
+          <p:cNvPicPr>
+            <a:picLocks noChangeAspect="1" noChangeArrowheads="1"/>
+          </p:cNvPicPr>
+          <p:nvPr/>
+        </p:nvPicPr>
+        <p:blipFill>
+          <a:blip r:embed="rId5">
+            <a:extLst>
+              <a:ext uri="{28A0092B-C50C-407E-A947-70E740481C1C}">
+                <a14:useLocalDpi xmlns:a14="http://schemas.microsoft.com/office/drawing/2010/main" val="0"/>
+              </a:ext>
+            </a:extLst>
+          </a:blip>
+          <a:srcRect t="50558"/>
+          <a:stretch>
+            <a:fillRect/>
+          </a:stretch>
+        </p:blipFill>
+        <p:spPr bwMode="auto">
+          <a:xfrm>
+            <a:off x="3048000" y="3060700"/>
+            <a:ext cx="5530851" cy="3626312"/>
+          </a:xfrm>
+          <a:prstGeom prst="rect">
+            <a:avLst/>
+          </a:prstGeom>
+          <a:noFill/>
+          <a:ln>
+            <a:noFill/>
+          </a:ln>
+          <a:effectLst/>
+          <a:extLst>
+            <a:ext uri="{909E8E84-426E-40DD-AFC4-6F175D3DCCD1}">
+              <a14:hiddenFill xmlns:a14="http://schemas.microsoft.com/office/drawing/2010/main">
+                <a:solidFill>
+                  <a:srgbClr val="FFFFFF"/>
+                </a:solidFill>
+              </a14:hiddenFill>
+            </a:ext>
+            <a:ext uri="{91240B29-F687-4F45-9708-019B960494DF}">
+              <a14:hiddenLine xmlns:a14="http://schemas.microsoft.com/office/drawing/2010/main" w="9525">
+                <a:solidFill>
+                  <a:srgbClr val="000000"/>
+                </a:solidFill>
+                <a:miter lim="800000"/>
+                <a:headEnd/>
+                <a:tailEnd/>
+              </a14:hiddenLine>
+            </a:ext>
+            <a:ext uri="{AF507438-7753-43E0-B8FC-AC1667EBCBE1}">
+              <a14:hiddenEffects xmlns:a14="http://schemas.microsoft.com/office/drawing/2010/main">
+                <a:effectLst>
+                  <a:outerShdw dist="35921" dir="2700000" algn="ctr" rotWithShape="0">
+                    <a:srgbClr val="808080"/>
+                  </a:outerShdw>
+                </a:effectLst>
+              </a14:hiddenEffects>
+            </a:ext>
+          </a:extLst>
+        </p:spPr>
+      </p:pic>
+    </p:spTree>
+    <p:extLst>
+      <p:ext uri="{BB962C8B-B14F-4D97-AF65-F5344CB8AC3E}">
+        <p14:creationId xmlns:p14="http://schemas.microsoft.com/office/powerpoint/2010/main" val="371384748"/>
+      </p:ext>
+    </p:extLst>
+  </p:cSld>
+  <p:clrMapOvr>
+    <a:masterClrMapping/>
+  </p:clrMapOvr>
+  <mc:AlternateContent xmlns:mc="http://schemas.openxmlformats.org/markup-compatibility/2006" xmlns:p14="http://schemas.microsoft.com/office/powerpoint/2010/main">
+    <mc:Choice Requires="p14">
+      <p:transition spd="med" p14:dur="700">
+        <p:fade/>
+      </p:transition>
+    </mc:Choice>
+    <mc:Fallback xmlns="">
+      <p:transition spd="med">
+        <p:fade/>
+      </p:transition>
+    </mc:Fallback>
+  </mc:AlternateContent>
+  <p:timing>
+    <p:tnLst>
+      <p:par>
+        <p:cTn id="1" dur="indefinite" restart="never" nodeType="tmRoot"/>
+      </p:par>
+    </p:tnLst>
+  </p:timing>
+</p:sld>
+</file>
+
+<file path=ppt/slides/slide13.xml><?xml version="1.0" encoding="utf-8"?>
+<p:sld xmlns:a="http://schemas.openxmlformats.org/drawingml/2006/main" xmlns:r="http://schemas.openxmlformats.org/officeDocument/2006/relationships" xmlns:p="http://schemas.openxmlformats.org/presentationml/2006/main">
+  <p:cSld>
+    <p:spTree>
+      <p:nvGrpSpPr>
+        <p:cNvPr id="1" name=""/>
+        <p:cNvGrpSpPr/>
+        <p:nvPr/>
+      </p:nvGrpSpPr>
+      <p:grpSpPr>
+        <a:xfrm>
+          <a:off x="0" y="0"/>
+          <a:ext cx="0" cy="0"/>
+          <a:chOff x="0" y="0"/>
+          <a:chExt cx="0" cy="0"/>
+        </a:xfrm>
+      </p:grpSpPr>
+      <p:cxnSp>
+        <p:nvCxnSpPr>
+          <p:cNvPr id="12" name="直接连接符 11"/>
+          <p:cNvCxnSpPr/>
+          <p:nvPr/>
+        </p:nvCxnSpPr>
+        <p:spPr>
+          <a:xfrm>
+            <a:off x="-19051" y="6587114"/>
+            <a:ext cx="12211051" cy="0"/>
+          </a:xfrm>
+          <a:prstGeom prst="line">
+            <a:avLst/>
+          </a:prstGeom>
+          <a:ln w="19050">
+            <a:solidFill>
+              <a:srgbClr val="515C73"/>
+            </a:solidFill>
+          </a:ln>
+        </p:spPr>
+        <p:style>
+          <a:lnRef idx="1">
+            <a:schemeClr val="accent1"/>
+          </a:lnRef>
+          <a:fillRef idx="0">
+            <a:schemeClr val="accent1"/>
+          </a:fillRef>
+          <a:effectRef idx="0">
+            <a:schemeClr val="accent1"/>
+          </a:effectRef>
+          <a:fontRef idx="minor">
+            <a:schemeClr val="tx1"/>
+          </a:fontRef>
+        </p:style>
+      </p:cxnSp>
+      <p:grpSp>
+        <p:nvGrpSpPr>
+          <p:cNvPr id="9" name="组合 8"/>
+          <p:cNvGrpSpPr/>
+          <p:nvPr/>
+        </p:nvGrpSpPr>
+        <p:grpSpPr>
+          <a:xfrm>
+            <a:off x="-19051" y="340072"/>
+            <a:ext cx="1957261" cy="675969"/>
+            <a:chOff x="285749" y="263872"/>
+            <a:chExt cx="1957261" cy="675969"/>
+          </a:xfrm>
+        </p:grpSpPr>
+        <p:grpSp>
+          <p:nvGrpSpPr>
+            <p:cNvPr id="4" name="组合 3"/>
+            <p:cNvGrpSpPr/>
+            <p:nvPr/>
+          </p:nvGrpSpPr>
+          <p:grpSpPr>
+            <a:xfrm flipH="1">
+              <a:off x="285749" y="263872"/>
+              <a:ext cx="1623000" cy="675969"/>
+              <a:chOff x="3533690" y="533400"/>
+              <a:chExt cx="1637426" cy="675969"/>
+            </a:xfrm>
+            <a:solidFill>
+              <a:srgbClr val="EE1C39"/>
+            </a:solidFill>
+          </p:grpSpPr>
+          <p:sp>
+            <p:nvSpPr>
+              <p:cNvPr id="5" name="矩形 4"/>
+              <p:cNvSpPr/>
+              <p:nvPr/>
+            </p:nvSpPr>
+            <p:spPr>
+              <a:xfrm>
+                <a:off x="3806724" y="533400"/>
+                <a:ext cx="1364392" cy="675969"/>
+              </a:xfrm>
+              <a:prstGeom prst="rect">
+                <a:avLst/>
+              </a:prstGeom>
+              <a:grpFill/>
+              <a:ln>
+                <a:noFill/>
+              </a:ln>
+            </p:spPr>
+            <p:style>
+              <a:lnRef idx="2">
+                <a:schemeClr val="accent1">
+                  <a:shade val="50000"/>
+                </a:schemeClr>
+              </a:lnRef>
+              <a:fillRef idx="1">
+                <a:schemeClr val="accent1"/>
+              </a:fillRef>
+              <a:effectRef idx="0">
+                <a:schemeClr val="accent1"/>
+              </a:effectRef>
+              <a:fontRef idx="minor">
+                <a:schemeClr val="lt1"/>
+              </a:fontRef>
+            </p:style>
+            <p:txBody>
+              <a:bodyPr rot="0" spcFirstLastPara="0" vertOverflow="overflow" horzOverflow="overflow" vert="horz" wrap="square" lIns="91440" tIns="45720" rIns="91440" bIns="45720" numCol="1" spcCol="0" rtlCol="0" fromWordArt="0" anchor="ctr" anchorCtr="0" forceAA="0" compatLnSpc="1">
+                <a:prstTxWarp prst="textNoShape">
+                  <a:avLst/>
+                </a:prstTxWarp>
+                <a:noAutofit/>
+              </a:bodyPr>
+              <a:lstStyle/>
+              <a:p>
+                <a:pPr algn="ctr"/>
+                <a:endParaRPr lang="zh-CN" altLang="en-US">
+                  <a:solidFill>
+                    <a:srgbClr val="FFFFFF"/>
+                  </a:solidFill>
+                </a:endParaRPr>
+              </a:p>
+            </p:txBody>
+          </p:sp>
+          <p:sp>
+            <p:nvSpPr>
+              <p:cNvPr id="6" name="椭圆 5"/>
+              <p:cNvSpPr/>
+              <p:nvPr/>
+            </p:nvSpPr>
+            <p:spPr>
+              <a:xfrm>
+                <a:off x="3533690" y="533400"/>
+                <a:ext cx="623734" cy="675969"/>
+              </a:xfrm>
+              <a:prstGeom prst="ellipse">
+                <a:avLst/>
+              </a:prstGeom>
+              <a:grpFill/>
+              <a:ln>
+                <a:noFill/>
+              </a:ln>
+            </p:spPr>
+            <p:style>
+              <a:lnRef idx="2">
+                <a:schemeClr val="accent1">
+                  <a:shade val="50000"/>
+                </a:schemeClr>
+              </a:lnRef>
+              <a:fillRef idx="1">
+                <a:schemeClr val="accent1"/>
+              </a:fillRef>
+              <a:effectRef idx="0">
+                <a:schemeClr val="accent1"/>
+              </a:effectRef>
+              <a:fontRef idx="minor">
+                <a:schemeClr val="lt1"/>
+              </a:fontRef>
+            </p:style>
+            <p:txBody>
+              <a:bodyPr rot="0" spcFirstLastPara="0" vertOverflow="overflow" horzOverflow="overflow" vert="horz" wrap="square" lIns="91440" tIns="45720" rIns="91440" bIns="45720" numCol="1" spcCol="0" rtlCol="0" fromWordArt="0" anchor="ctr" anchorCtr="0" forceAA="0" compatLnSpc="1">
+                <a:prstTxWarp prst="textNoShape">
+                  <a:avLst/>
+                </a:prstTxWarp>
+                <a:noAutofit/>
+              </a:bodyPr>
+              <a:lstStyle/>
+              <a:p>
+                <a:pPr algn="ctr"/>
+                <a:endParaRPr lang="zh-CN" altLang="en-US">
+                  <a:solidFill>
+                    <a:srgbClr val="FFFFFF"/>
+                  </a:solidFill>
+                </a:endParaRPr>
+              </a:p>
+            </p:txBody>
+          </p:sp>
+        </p:grpSp>
+        <p:sp>
+          <p:nvSpPr>
+            <p:cNvPr id="8" name="文本框 7"/>
+            <p:cNvSpPr txBox="1"/>
+            <p:nvPr/>
+          </p:nvSpPr>
+          <p:spPr>
+            <a:xfrm>
+              <a:off x="1100010" y="309468"/>
+              <a:ext cx="1143000" cy="584775"/>
+            </a:xfrm>
+            <a:prstGeom prst="rect">
+              <a:avLst/>
+            </a:prstGeom>
+            <a:noFill/>
+          </p:spPr>
+          <p:txBody>
+            <a:bodyPr wrap="square" rtlCol="0">
+              <a:spAutoFit/>
+            </a:bodyPr>
+            <a:lstStyle/>
+            <a:p>
+              <a:r>
+                <a:rPr lang="en-US" altLang="zh-CN" sz="3200" spc="300" dirty="0" smtClean="0">
+                  <a:solidFill>
+                    <a:srgbClr val="FFFFFF"/>
+                  </a:solidFill>
+                  <a:latin typeface="Roboto" pitchFamily="2" charset="0"/>
+                </a:rPr>
+                <a:t>02</a:t>
+              </a:r>
+              <a:endParaRPr lang="zh-CN" altLang="en-US" sz="3200" spc="300" dirty="0">
+                <a:solidFill>
+                  <a:srgbClr val="FFFFFF"/>
+                </a:solidFill>
+                <a:latin typeface="Roboto" pitchFamily="2" charset="0"/>
+              </a:endParaRPr>
+            </a:p>
+          </p:txBody>
+        </p:sp>
+      </p:grpSp>
+      <p:sp>
+        <p:nvSpPr>
+          <p:cNvPr id="10" name="灯片编号占位符 9"/>
+          <p:cNvSpPr>
+            <a:spLocks noGrp="1"/>
+          </p:cNvSpPr>
+          <p:nvPr>
+            <p:ph type="sldNum" sz="quarter" idx="12"/>
+          </p:nvPr>
+        </p:nvSpPr>
+        <p:spPr>
+          <a:xfrm>
+            <a:off x="11359821" y="6424885"/>
+            <a:ext cx="476250" cy="320675"/>
+          </a:xfrm>
+          <a:solidFill>
+            <a:srgbClr val="EE1C39"/>
+          </a:solidFill>
+        </p:spPr>
+        <p:txBody>
+          <a:bodyPr/>
+          <a:lstStyle/>
+          <a:p>
+            <a:pPr algn="ctr"/>
+            <a:fld id="{AFAE5B16-0F33-4EE9-AE34-61D676368225}" type="slidenum">
+              <a:rPr lang="zh-CN" altLang="en-US" sz="1800" smtClean="0">
+                <a:solidFill>
+                  <a:srgbClr val="FFFFFF"/>
+                </a:solidFill>
+                <a:latin typeface="Roboto" pitchFamily="2" charset="0"/>
+              </a:rPr>
+              <a:pPr algn="ctr"/>
+              <a:t>13</a:t>
+            </a:fld>
+            <a:endParaRPr lang="zh-CN" altLang="en-US" sz="1800" dirty="0">
+              <a:solidFill>
+                <a:srgbClr val="FFFFFF"/>
+              </a:solidFill>
+              <a:latin typeface="Roboto" pitchFamily="2" charset="0"/>
+            </a:endParaRPr>
+          </a:p>
+        </p:txBody>
+      </p:sp>
+      <p:pic>
+        <p:nvPicPr>
+          <p:cNvPr id="11" name="Picture 3" descr="me_bin"/>
+          <p:cNvPicPr>
+            <a:picLocks noChangeAspect="1" noChangeArrowheads="1"/>
+          </p:cNvPicPr>
+          <p:nvPr/>
+        </p:nvPicPr>
+        <p:blipFill>
+          <a:blip r:embed="rId3">
+            <a:extLst>
+              <a:ext uri="{28A0092B-C50C-407E-A947-70E740481C1C}">
+                <a14:useLocalDpi xmlns:a14="http://schemas.microsoft.com/office/drawing/2010/main" val="0"/>
+              </a:ext>
+            </a:extLst>
+          </a:blip>
+          <a:srcRect/>
+          <a:stretch>
+            <a:fillRect/>
+          </a:stretch>
+        </p:blipFill>
+        <p:spPr bwMode="auto">
+          <a:xfrm>
+            <a:off x="2569210" y="340072"/>
+            <a:ext cx="2708275" cy="2652712"/>
+          </a:xfrm>
+          <a:prstGeom prst="rect">
+            <a:avLst/>
+          </a:prstGeom>
+          <a:noFill/>
+          <a:ln>
+            <a:noFill/>
+          </a:ln>
+          <a:extLst>
+            <a:ext uri="{909E8E84-426E-40DD-AFC4-6F175D3DCCD1}">
+              <a14:hiddenFill xmlns:a14="http://schemas.microsoft.com/office/drawing/2010/main">
+                <a:solidFill>
+                  <a:srgbClr val="FFFFFF"/>
+                </a:solidFill>
+              </a14:hiddenFill>
+            </a:ext>
+            <a:ext uri="{91240B29-F687-4F45-9708-019B960494DF}">
+              <a14:hiddenLine xmlns:a14="http://schemas.microsoft.com/office/drawing/2010/main" w="9525">
+                <a:solidFill>
+                  <a:srgbClr val="000000"/>
+                </a:solidFill>
+                <a:miter lim="800000"/>
+                <a:headEnd/>
+                <a:tailEnd/>
+              </a14:hiddenLine>
+            </a:ext>
+          </a:extLst>
+        </p:spPr>
+      </p:pic>
+      <p:pic>
+        <p:nvPicPr>
+          <p:cNvPr id="14" name="Picture 4" descr="me_final"/>
+          <p:cNvPicPr>
+            <a:picLocks noChangeAspect="1" noChangeArrowheads="1"/>
+          </p:cNvPicPr>
+          <p:nvPr/>
+        </p:nvPicPr>
+        <p:blipFill>
+          <a:blip r:embed="rId4">
+            <a:extLst>
+              <a:ext uri="{28A0092B-C50C-407E-A947-70E740481C1C}">
+                <a14:useLocalDpi xmlns:a14="http://schemas.microsoft.com/office/drawing/2010/main" val="0"/>
+              </a:ext>
+            </a:extLst>
+          </a:blip>
+          <a:srcRect/>
+          <a:stretch>
+            <a:fillRect/>
+          </a:stretch>
+        </p:blipFill>
+        <p:spPr bwMode="auto">
+          <a:xfrm>
+            <a:off x="6242746" y="340072"/>
+            <a:ext cx="2708275" cy="2652712"/>
+          </a:xfrm>
+          <a:prstGeom prst="rect">
+            <a:avLst/>
+          </a:prstGeom>
+          <a:noFill/>
+          <a:ln>
+            <a:noFill/>
+          </a:ln>
+          <a:extLst>
+            <a:ext uri="{909E8E84-426E-40DD-AFC4-6F175D3DCCD1}">
+              <a14:hiddenFill xmlns:a14="http://schemas.microsoft.com/office/drawing/2010/main">
+                <a:solidFill>
+                  <a:srgbClr val="FFFFFF"/>
+                </a:solidFill>
+              </a14:hiddenFill>
+            </a:ext>
+            <a:ext uri="{91240B29-F687-4F45-9708-019B960494DF}">
+              <a14:hiddenLine xmlns:a14="http://schemas.microsoft.com/office/drawing/2010/main" w="9525">
+                <a:solidFill>
+                  <a:srgbClr val="000000"/>
+                </a:solidFill>
+                <a:miter lim="800000"/>
+                <a:headEnd/>
+                <a:tailEnd/>
+              </a14:hiddenLine>
+            </a:ext>
+          </a:extLst>
+        </p:spPr>
+      </p:pic>
+      <p:grpSp>
+        <p:nvGrpSpPr>
+          <p:cNvPr id="15" name="Group 4"/>
+          <p:cNvGrpSpPr>
+            <a:grpSpLocks noChangeAspect="1"/>
+          </p:cNvGrpSpPr>
+          <p:nvPr/>
+        </p:nvGrpSpPr>
+        <p:grpSpPr bwMode="auto">
+          <a:xfrm>
+            <a:off x="3482975" y="2606675"/>
+            <a:ext cx="4502150" cy="4251325"/>
+            <a:chOff x="0" y="0"/>
+            <a:chExt cx="7090" cy="6695"/>
+          </a:xfrm>
+        </p:grpSpPr>
+        <p:pic>
+          <p:nvPicPr>
+            <p:cNvPr id="16" name="图片 5"/>
+            <p:cNvPicPr>
+              <a:picLocks noChangeAspect="1" noChangeArrowheads="1"/>
+            </p:cNvPicPr>
+            <p:nvPr/>
+          </p:nvPicPr>
+          <p:blipFill>
+            <a:blip r:embed="rId5">
+              <a:extLst>
+                <a:ext uri="{28A0092B-C50C-407E-A947-70E740481C1C}">
+                  <a14:useLocalDpi xmlns:a14="http://schemas.microsoft.com/office/drawing/2010/main" val="0"/>
+                </a:ext>
+              </a:extLst>
+            </a:blip>
+            <a:srcRect t="18069" b="12265"/>
+            <a:stretch>
+              <a:fillRect/>
+            </a:stretch>
+          </p:blipFill>
+          <p:spPr bwMode="auto">
+            <a:xfrm>
+              <a:off x="346" y="0"/>
+              <a:ext cx="6745" cy="6134"/>
+            </a:xfrm>
+            <a:prstGeom prst="rect">
+              <a:avLst/>
+            </a:prstGeom>
+            <a:noFill/>
+            <a:ln>
+              <a:noFill/>
+            </a:ln>
+            <a:extLst>
+              <a:ext uri="{909E8E84-426E-40DD-AFC4-6F175D3DCCD1}">
+                <a14:hiddenFill xmlns:a14="http://schemas.microsoft.com/office/drawing/2010/main">
+                  <a:solidFill>
+                    <a:srgbClr val="FFFFFF"/>
+                  </a:solidFill>
+                </a14:hiddenFill>
+              </a:ext>
+              <a:ext uri="{91240B29-F687-4F45-9708-019B960494DF}">
+                <a14:hiddenLine xmlns:a14="http://schemas.microsoft.com/office/drawing/2010/main" w="9525">
+                  <a:solidFill>
+                    <a:srgbClr val="000000"/>
+                  </a:solidFill>
+                  <a:miter lim="800000"/>
+                  <a:headEnd/>
+                  <a:tailEnd/>
+                </a14:hiddenLine>
+              </a:ext>
+            </a:extLst>
+          </p:spPr>
+        </p:pic>
+        <p:pic>
+          <p:nvPicPr>
+            <p:cNvPr id="17" name="Picture 6"/>
+            <p:cNvPicPr>
+              <a:picLocks noChangeAspect="1" noChangeArrowheads="1"/>
+            </p:cNvPicPr>
+            <p:nvPr/>
+          </p:nvPicPr>
+          <p:blipFill>
+            <a:blip r:embed="rId6">
+              <a:extLst>
+                <a:ext uri="{28A0092B-C50C-407E-A947-70E740481C1C}">
+                  <a14:useLocalDpi xmlns:a14="http://schemas.microsoft.com/office/drawing/2010/main" val="0"/>
+                </a:ext>
+              </a:extLst>
+            </a:blip>
+            <a:srcRect/>
+            <a:stretch>
+              <a:fillRect/>
+            </a:stretch>
+          </p:blipFill>
+          <p:spPr bwMode="auto">
+            <a:xfrm>
+              <a:off x="0" y="5899"/>
+              <a:ext cx="1698" cy="797"/>
+            </a:xfrm>
+            <a:prstGeom prst="rect">
+              <a:avLst/>
+            </a:prstGeom>
+            <a:noFill/>
+            <a:ln>
+              <a:noFill/>
+            </a:ln>
+            <a:effectLst/>
+            <a:extLst>
+              <a:ext uri="{909E8E84-426E-40DD-AFC4-6F175D3DCCD1}">
+                <a14:hiddenFill xmlns:a14="http://schemas.microsoft.com/office/drawing/2010/main">
+                  <a:solidFill>
+                    <a:srgbClr val="FFFFFF"/>
+                  </a:solidFill>
+                </a14:hiddenFill>
+              </a:ext>
+              <a:ext uri="{91240B29-F687-4F45-9708-019B960494DF}">
+                <a14:hiddenLine xmlns:a14="http://schemas.microsoft.com/office/drawing/2010/main" w="9525">
+                  <a:solidFill>
+                    <a:srgbClr val="000000"/>
+                  </a:solidFill>
+                  <a:miter lim="800000"/>
+                  <a:headEnd/>
+                  <a:tailEnd/>
+                </a14:hiddenLine>
+              </a:ext>
+              <a:ext uri="{AF507438-7753-43E0-B8FC-AC1667EBCBE1}">
+                <a14:hiddenEffects xmlns:a14="http://schemas.microsoft.com/office/drawing/2010/main">
+                  <a:effectLst>
+                    <a:outerShdw dist="35921" dir="2700000" algn="ctr" rotWithShape="0">
+                      <a:srgbClr val="808080"/>
+                    </a:outerShdw>
+                  </a:effectLst>
+                </a14:hiddenEffects>
+              </a:ext>
+            </a:extLst>
+          </p:spPr>
+        </p:pic>
+      </p:grpSp>
+    </p:spTree>
+    <p:extLst>
+      <p:ext uri="{BB962C8B-B14F-4D97-AF65-F5344CB8AC3E}">
+        <p14:creationId xmlns:p14="http://schemas.microsoft.com/office/powerpoint/2010/main" val="139791940"/>
+      </p:ext>
+    </p:extLst>
+  </p:cSld>
+  <p:clrMapOvr>
+    <a:masterClrMapping/>
+  </p:clrMapOvr>
+  <mc:AlternateContent xmlns:mc="http://schemas.openxmlformats.org/markup-compatibility/2006" xmlns:p14="http://schemas.microsoft.com/office/powerpoint/2010/main">
+    <mc:Choice Requires="p14">
+      <p:transition spd="med" p14:dur="700">
+        <p:fade/>
+      </p:transition>
+    </mc:Choice>
+    <mc:Fallback xmlns="">
+      <p:transition spd="med">
+        <p:fade/>
+      </p:transition>
+    </mc:Fallback>
+  </mc:AlternateContent>
+  <p:timing>
+    <p:tnLst>
+      <p:par>
+        <p:cTn id="1" dur="indefinite" restart="never" nodeType="tmRoot"/>
+      </p:par>
+    </p:tnLst>
+  </p:timing>
+</p:sld>
+</file>
+
+<file path=ppt/slides/slide14.xml><?xml version="1.0" encoding="utf-8"?>
+<p:sld xmlns:a="http://schemas.openxmlformats.org/drawingml/2006/main" xmlns:r="http://schemas.openxmlformats.org/officeDocument/2006/relationships" xmlns:p="http://schemas.openxmlformats.org/presentationml/2006/main">
+  <p:cSld>
+    <p:spTree>
+      <p:nvGrpSpPr>
+        <p:cNvPr id="1" name=""/>
+        <p:cNvGrpSpPr/>
+        <p:nvPr/>
+      </p:nvGrpSpPr>
+      <p:grpSpPr>
+        <a:xfrm>
+          <a:off x="0" y="0"/>
+          <a:ext cx="0" cy="0"/>
+          <a:chOff x="0" y="0"/>
+          <a:chExt cx="0" cy="0"/>
+        </a:xfrm>
+      </p:grpSpPr>
+      <p:cxnSp>
+        <p:nvCxnSpPr>
+          <p:cNvPr id="12" name="直接连接符 11"/>
+          <p:cNvCxnSpPr/>
+          <p:nvPr/>
+        </p:nvCxnSpPr>
+        <p:spPr>
+          <a:xfrm>
+            <a:off x="-19051" y="6587114"/>
+            <a:ext cx="12211051" cy="0"/>
+          </a:xfrm>
+          <a:prstGeom prst="line">
+            <a:avLst/>
+          </a:prstGeom>
+          <a:ln w="19050">
+            <a:solidFill>
+              <a:srgbClr val="515C73"/>
+            </a:solidFill>
+          </a:ln>
+        </p:spPr>
+        <p:style>
+          <a:lnRef idx="1">
+            <a:schemeClr val="accent1"/>
+          </a:lnRef>
+          <a:fillRef idx="0">
+            <a:schemeClr val="accent1"/>
+          </a:fillRef>
+          <a:effectRef idx="0">
+            <a:schemeClr val="accent1"/>
+          </a:effectRef>
+          <a:fontRef idx="minor">
+            <a:schemeClr val="tx1"/>
+          </a:fontRef>
+        </p:style>
+      </p:cxnSp>
+      <p:grpSp>
+        <p:nvGrpSpPr>
+          <p:cNvPr id="9" name="组合 8"/>
+          <p:cNvGrpSpPr/>
+          <p:nvPr/>
+        </p:nvGrpSpPr>
+        <p:grpSpPr>
+          <a:xfrm>
+            <a:off x="-19051" y="340072"/>
+            <a:ext cx="1957261" cy="675969"/>
+            <a:chOff x="285749" y="263872"/>
+            <a:chExt cx="1957261" cy="675969"/>
+          </a:xfrm>
+        </p:grpSpPr>
+        <p:grpSp>
+          <p:nvGrpSpPr>
+            <p:cNvPr id="4" name="组合 3"/>
+            <p:cNvGrpSpPr/>
+            <p:nvPr/>
+          </p:nvGrpSpPr>
+          <p:grpSpPr>
+            <a:xfrm flipH="1">
+              <a:off x="285749" y="263872"/>
+              <a:ext cx="1623000" cy="675969"/>
+              <a:chOff x="3533690" y="533400"/>
+              <a:chExt cx="1637426" cy="675969"/>
+            </a:xfrm>
+            <a:solidFill>
+              <a:srgbClr val="EE1C39"/>
+            </a:solidFill>
+          </p:grpSpPr>
+          <p:sp>
+            <p:nvSpPr>
+              <p:cNvPr id="5" name="矩形 4"/>
+              <p:cNvSpPr/>
+              <p:nvPr/>
+            </p:nvSpPr>
+            <p:spPr>
+              <a:xfrm>
+                <a:off x="3806724" y="533400"/>
+                <a:ext cx="1364392" cy="675969"/>
+              </a:xfrm>
+              <a:prstGeom prst="rect">
+                <a:avLst/>
+              </a:prstGeom>
+              <a:grpFill/>
+              <a:ln>
+                <a:noFill/>
+              </a:ln>
+            </p:spPr>
+            <p:style>
+              <a:lnRef idx="2">
+                <a:schemeClr val="accent1">
+                  <a:shade val="50000"/>
+                </a:schemeClr>
+              </a:lnRef>
+              <a:fillRef idx="1">
+                <a:schemeClr val="accent1"/>
+              </a:fillRef>
+              <a:effectRef idx="0">
+                <a:schemeClr val="accent1"/>
+              </a:effectRef>
+              <a:fontRef idx="minor">
+                <a:schemeClr val="lt1"/>
+              </a:fontRef>
+            </p:style>
+            <p:txBody>
+              <a:bodyPr rot="0" spcFirstLastPara="0" vertOverflow="overflow" horzOverflow="overflow" vert="horz" wrap="square" lIns="91440" tIns="45720" rIns="91440" bIns="45720" numCol="1" spcCol="0" rtlCol="0" fromWordArt="0" anchor="ctr" anchorCtr="0" forceAA="0" compatLnSpc="1">
+                <a:prstTxWarp prst="textNoShape">
+                  <a:avLst/>
+                </a:prstTxWarp>
+                <a:noAutofit/>
+              </a:bodyPr>
+              <a:lstStyle/>
+              <a:p>
+                <a:pPr algn="ctr"/>
+                <a:endParaRPr lang="zh-CN" altLang="en-US">
+                  <a:solidFill>
+                    <a:srgbClr val="FFFFFF"/>
+                  </a:solidFill>
+                </a:endParaRPr>
+              </a:p>
+            </p:txBody>
+          </p:sp>
+          <p:sp>
+            <p:nvSpPr>
+              <p:cNvPr id="6" name="椭圆 5"/>
+              <p:cNvSpPr/>
+              <p:nvPr/>
+            </p:nvSpPr>
+            <p:spPr>
+              <a:xfrm>
+                <a:off x="3533690" y="533400"/>
+                <a:ext cx="623734" cy="675969"/>
+              </a:xfrm>
+              <a:prstGeom prst="ellipse">
+                <a:avLst/>
+              </a:prstGeom>
+              <a:grpFill/>
+              <a:ln>
+                <a:noFill/>
+              </a:ln>
+            </p:spPr>
+            <p:style>
+              <a:lnRef idx="2">
+                <a:schemeClr val="accent1">
+                  <a:shade val="50000"/>
+                </a:schemeClr>
+              </a:lnRef>
+              <a:fillRef idx="1">
+                <a:schemeClr val="accent1"/>
+              </a:fillRef>
+              <a:effectRef idx="0">
+                <a:schemeClr val="accent1"/>
+              </a:effectRef>
+              <a:fontRef idx="minor">
+                <a:schemeClr val="lt1"/>
+              </a:fontRef>
+            </p:style>
+            <p:txBody>
+              <a:bodyPr rot="0" spcFirstLastPara="0" vertOverflow="overflow" horzOverflow="overflow" vert="horz" wrap="square" lIns="91440" tIns="45720" rIns="91440" bIns="45720" numCol="1" spcCol="0" rtlCol="0" fromWordArt="0" anchor="ctr" anchorCtr="0" forceAA="0" compatLnSpc="1">
+                <a:prstTxWarp prst="textNoShape">
+                  <a:avLst/>
+                </a:prstTxWarp>
+                <a:noAutofit/>
+              </a:bodyPr>
+              <a:lstStyle/>
+              <a:p>
+                <a:pPr algn="ctr"/>
+                <a:endParaRPr lang="zh-CN" altLang="en-US">
+                  <a:solidFill>
+                    <a:srgbClr val="FFFFFF"/>
+                  </a:solidFill>
+                </a:endParaRPr>
+              </a:p>
+            </p:txBody>
+          </p:sp>
+        </p:grpSp>
+        <p:sp>
+          <p:nvSpPr>
+            <p:cNvPr id="8" name="文本框 7"/>
+            <p:cNvSpPr txBox="1"/>
+            <p:nvPr/>
+          </p:nvSpPr>
+          <p:spPr>
+            <a:xfrm>
+              <a:off x="1100010" y="309468"/>
+              <a:ext cx="1143000" cy="584775"/>
+            </a:xfrm>
+            <a:prstGeom prst="rect">
+              <a:avLst/>
+            </a:prstGeom>
+            <a:noFill/>
+          </p:spPr>
+          <p:txBody>
+            <a:bodyPr wrap="square" rtlCol="0">
+              <a:spAutoFit/>
+            </a:bodyPr>
+            <a:lstStyle/>
+            <a:p>
+              <a:r>
+                <a:rPr lang="en-US" altLang="zh-CN" sz="3200" spc="300" dirty="0" smtClean="0">
+                  <a:solidFill>
+                    <a:srgbClr val="FFFFFF"/>
+                  </a:solidFill>
+                  <a:latin typeface="Roboto" pitchFamily="2" charset="0"/>
+                </a:rPr>
+                <a:t>02</a:t>
+              </a:r>
+              <a:endParaRPr lang="zh-CN" altLang="en-US" sz="3200" spc="300" dirty="0">
+                <a:solidFill>
+                  <a:srgbClr val="FFFFFF"/>
+                </a:solidFill>
+                <a:latin typeface="Roboto" pitchFamily="2" charset="0"/>
+              </a:endParaRPr>
+            </a:p>
+          </p:txBody>
+        </p:sp>
+      </p:grpSp>
+      <p:sp>
+        <p:nvSpPr>
+          <p:cNvPr id="10" name="灯片编号占位符 9"/>
+          <p:cNvSpPr>
+            <a:spLocks noGrp="1"/>
+          </p:cNvSpPr>
+          <p:nvPr>
+            <p:ph type="sldNum" sz="quarter" idx="12"/>
+          </p:nvPr>
+        </p:nvSpPr>
+        <p:spPr>
+          <a:xfrm>
+            <a:off x="11359821" y="6424885"/>
+            <a:ext cx="476250" cy="320675"/>
+          </a:xfrm>
+          <a:solidFill>
+            <a:srgbClr val="EE1C39"/>
+          </a:solidFill>
+        </p:spPr>
+        <p:txBody>
+          <a:bodyPr/>
+          <a:lstStyle/>
+          <a:p>
+            <a:pPr algn="ctr"/>
+            <a:fld id="{AFAE5B16-0F33-4EE9-AE34-61D676368225}" type="slidenum">
+              <a:rPr lang="zh-CN" altLang="en-US" sz="1800" smtClean="0">
+                <a:solidFill>
+                  <a:srgbClr val="FFFFFF"/>
+                </a:solidFill>
+                <a:latin typeface="Roboto" pitchFamily="2" charset="0"/>
+              </a:rPr>
+              <a:pPr algn="ctr"/>
+              <a:t>14</a:t>
+            </a:fld>
+            <a:endParaRPr lang="zh-CN" altLang="en-US" sz="1800" dirty="0">
+              <a:solidFill>
+                <a:srgbClr val="FFFFFF"/>
+              </a:solidFill>
+              <a:latin typeface="Roboto" pitchFamily="2" charset="0"/>
+            </a:endParaRPr>
+          </a:p>
+        </p:txBody>
+      </p:sp>
       <p:sp>
         <p:nvSpPr>
           <p:cNvPr id="13" name="文本框 12"/>
@@ -19742,7 +21706,7 @@
 </p:sld>
 </file>
 
-<file path=ppt/slides/slide12.xml><?xml version="1.0" encoding="utf-8"?>
+<file path=ppt/slides/slide15.xml><?xml version="1.0" encoding="utf-8"?>
 <p:sld xmlns:a="http://schemas.openxmlformats.org/drawingml/2006/main" xmlns:r="http://schemas.openxmlformats.org/officeDocument/2006/relationships" xmlns:p="http://schemas.openxmlformats.org/presentationml/2006/main">
   <p:cSld>
     <p:spTree>
@@ -20005,7 +21969,7 @@
                 <a:latin typeface="Roboto" pitchFamily="2" charset="0"/>
               </a:rPr>
               <a:pPr algn="ctr"/>
-              <a:t>12</a:t>
+              <a:t>15</a:t>
             </a:fld>
             <a:endParaRPr lang="zh-CN" altLang="en-US" sz="1800" dirty="0">
               <a:solidFill>
@@ -20120,7 +22084,6 @@
                   <a:rPr lang="zh-CN" altLang="en-US" sz="2400" b="1" dirty="0"/>
                   <a:t>数据存储</a:t>
                 </a:r>
-                <a:endParaRPr lang="zh-CN" altLang="en-US" sz="2400" b="1" dirty="0"/>
               </a:p>
             </p:txBody>
           </p:sp>
@@ -20947,7 +22910,7 @@
 </p:sld>
 </file>
 
-<file path=ppt/slides/slide13.xml><?xml version="1.0" encoding="utf-8"?>
+<file path=ppt/slides/slide16.xml><?xml version="1.0" encoding="utf-8"?>
 <p:sld xmlns:a="http://schemas.openxmlformats.org/drawingml/2006/main" xmlns:r="http://schemas.openxmlformats.org/officeDocument/2006/relationships" xmlns:p="http://schemas.openxmlformats.org/presentationml/2006/main">
   <p:cSld>
     <p:spTree>
@@ -21210,7 +23173,7 @@
                 <a:latin typeface="Roboto" pitchFamily="2" charset="0"/>
               </a:rPr>
               <a:pPr algn="ctr"/>
-              <a:t>13</a:t>
+              <a:t>16</a:t>
             </a:fld>
             <a:endParaRPr lang="zh-CN" altLang="en-US" sz="1800" dirty="0">
               <a:solidFill>
@@ -21251,27 +23214,7 @@
                 <a:latin typeface="Roboto" pitchFamily="2" charset="0"/>
                 <a:ea typeface="+mj-ea"/>
               </a:rPr>
-              <a:t>Rich </a:t>
-            </a:r>
-            <a:r>
-              <a:rPr lang="en-US" altLang="zh-CN" sz="4000" dirty="0" smtClean="0">
-                <a:solidFill>
-                  <a:srgbClr val="000000"/>
-                </a:solidFill>
-                <a:latin typeface="Roboto" pitchFamily="2" charset="0"/>
-                <a:ea typeface="+mj-ea"/>
-              </a:rPr>
-              <a:t>Text Editor </a:t>
-            </a:r>
-            <a:r>
-              <a:rPr lang="en-US" altLang="zh-CN" sz="4000" dirty="0" smtClean="0">
-                <a:solidFill>
-                  <a:srgbClr val="000000"/>
-                </a:solidFill>
-                <a:latin typeface="Roboto" pitchFamily="2" charset="0"/>
-                <a:ea typeface="+mj-ea"/>
-              </a:rPr>
-              <a:t>Module</a:t>
+              <a:t>Rich Text Editor Module</a:t>
             </a:r>
             <a:endParaRPr lang="en-US" altLang="zh-CN" sz="2000" dirty="0">
               <a:solidFill>
@@ -22195,7 +24138,7 @@
 </p:sld>
 </file>
 
-<file path=ppt/slides/slide14.xml><?xml version="1.0" encoding="utf-8"?>
+<file path=ppt/slides/slide17.xml><?xml version="1.0" encoding="utf-8"?>
 <p:sld xmlns:a="http://schemas.openxmlformats.org/drawingml/2006/main" xmlns:r="http://schemas.openxmlformats.org/officeDocument/2006/relationships" xmlns:p="http://schemas.openxmlformats.org/presentationml/2006/main">
   <p:cSld>
     <p:spTree>
@@ -22653,7 +24596,7 @@
 </p:sld>
 </file>
 
-<file path=ppt/slides/slide15.xml><?xml version="1.0" encoding="utf-8"?>
+<file path=ppt/slides/slide18.xml><?xml version="1.0" encoding="utf-8"?>
 <p:sld xmlns:a="http://schemas.openxmlformats.org/drawingml/2006/main" xmlns:r="http://schemas.openxmlformats.org/officeDocument/2006/relationships" xmlns:p="http://schemas.openxmlformats.org/presentationml/2006/main">
   <p:cSld>
     <p:spTree>
@@ -22872,7 +24815,7 @@
                   </a:solidFill>
                   <a:latin typeface="Roboto" pitchFamily="2" charset="0"/>
                 </a:rPr>
-                <a:t>02</a:t>
+                <a:t>03</a:t>
               </a:r>
               <a:endParaRPr lang="zh-CN" altLang="en-US" sz="3200" spc="300" dirty="0">
                 <a:solidFill>
@@ -22916,7 +24859,7 @@
                 <a:latin typeface="Roboto" pitchFamily="2" charset="0"/>
               </a:rPr>
               <a:pPr algn="ctr"/>
-              <a:t>15</a:t>
+              <a:t>18</a:t>
             </a:fld>
             <a:endParaRPr lang="zh-CN" altLang="en-US" sz="1800" dirty="0">
               <a:solidFill>
@@ -23896,7 +25839,7 @@
 </p:sld>
 </file>
 
-<file path=ppt/slides/slide16.xml><?xml version="1.0" encoding="utf-8"?>
+<file path=ppt/slides/slide19.xml><?xml version="1.0" encoding="utf-8"?>
 <p:sld xmlns:a="http://schemas.openxmlformats.org/drawingml/2006/main" xmlns:r="http://schemas.openxmlformats.org/officeDocument/2006/relationships" xmlns:p="http://schemas.openxmlformats.org/presentationml/2006/main">
   <p:cSld>
     <p:spTree>
@@ -24115,7 +26058,7 @@
                   </a:solidFill>
                   <a:latin typeface="Roboto" pitchFamily="2" charset="0"/>
                 </a:rPr>
-                <a:t>01</a:t>
+                <a:t>03</a:t>
               </a:r>
               <a:endParaRPr lang="zh-CN" altLang="en-US" sz="3200" spc="300" dirty="0">
                 <a:solidFill>
@@ -24159,7 +26102,7 @@
                 <a:latin typeface="Roboto" pitchFamily="2" charset="0"/>
               </a:rPr>
               <a:pPr algn="ctr"/>
-              <a:t>16</a:t>
+              <a:t>19</a:t>
             </a:fld>
             <a:endParaRPr lang="zh-CN" altLang="en-US" sz="1800" dirty="0">
               <a:solidFill>
@@ -26346,7 +28289,445 @@
 </p:sld>
 </file>
 
-<file path=ppt/slides/slide17.xml><?xml version="1.0" encoding="utf-8"?>
+<file path=ppt/slides/slide2.xml><?xml version="1.0" encoding="utf-8"?>
+<p:sld xmlns:a="http://schemas.openxmlformats.org/drawingml/2006/main" xmlns:r="http://schemas.openxmlformats.org/officeDocument/2006/relationships" xmlns:p="http://schemas.openxmlformats.org/presentationml/2006/main">
+  <p:cSld>
+    <p:spTree>
+      <p:nvGrpSpPr>
+        <p:cNvPr id="1" name=""/>
+        <p:cNvGrpSpPr/>
+        <p:nvPr/>
+      </p:nvGrpSpPr>
+      <p:grpSpPr>
+        <a:xfrm>
+          <a:off x="0" y="0"/>
+          <a:ext cx="0" cy="0"/>
+          <a:chOff x="0" y="0"/>
+          <a:chExt cx="0" cy="0"/>
+        </a:xfrm>
+      </p:grpSpPr>
+      <p:sp>
+        <p:nvSpPr>
+          <p:cNvPr id="21" name="文本框 20"/>
+          <p:cNvSpPr txBox="1"/>
+          <p:nvPr/>
+        </p:nvSpPr>
+        <p:spPr>
+          <a:xfrm>
+            <a:off x="1944754" y="4476274"/>
+            <a:ext cx="8302493" cy="1015663"/>
+          </a:xfrm>
+          <a:prstGeom prst="rect">
+            <a:avLst/>
+          </a:prstGeom>
+          <a:noFill/>
+        </p:spPr>
+        <p:txBody>
+          <a:bodyPr wrap="square" rtlCol="0">
+            <a:spAutoFit/>
+          </a:bodyPr>
+          <a:lstStyle/>
+          <a:p>
+            <a:pPr algn="ctr"/>
+            <a:r>
+              <a:rPr lang="en-US" altLang="zh-CN" sz="6000" dirty="0" smtClean="0">
+                <a:solidFill>
+                  <a:schemeClr val="bg1"/>
+                </a:solidFill>
+                <a:latin typeface="Roboto" pitchFamily="2" charset="0"/>
+                <a:ea typeface="Roboto" pitchFamily="2" charset="0"/>
+              </a:rPr>
+              <a:t>Introduction</a:t>
+            </a:r>
+            <a:endParaRPr lang="zh-CN" altLang="en-US" sz="6000" dirty="0">
+              <a:solidFill>
+                <a:schemeClr val="bg1"/>
+              </a:solidFill>
+              <a:latin typeface="Roboto" pitchFamily="2" charset="0"/>
+            </a:endParaRPr>
+          </a:p>
+        </p:txBody>
+      </p:sp>
+      <p:sp>
+        <p:nvSpPr>
+          <p:cNvPr id="8" name="矩形 7"/>
+          <p:cNvSpPr/>
+          <p:nvPr/>
+        </p:nvSpPr>
+        <p:spPr>
+          <a:xfrm>
+            <a:off x="5187950" y="-9525"/>
+            <a:ext cx="1816100" cy="2645221"/>
+          </a:xfrm>
+          <a:prstGeom prst="rect">
+            <a:avLst/>
+          </a:prstGeom>
+          <a:solidFill>
+            <a:srgbClr val="EE1C39"/>
+          </a:solidFill>
+          <a:ln>
+            <a:noFill/>
+          </a:ln>
+        </p:spPr>
+        <p:style>
+          <a:lnRef idx="2">
+            <a:schemeClr val="accent1">
+              <a:shade val="50000"/>
+            </a:schemeClr>
+          </a:lnRef>
+          <a:fillRef idx="1">
+            <a:schemeClr val="accent1"/>
+          </a:fillRef>
+          <a:effectRef idx="0">
+            <a:schemeClr val="accent1"/>
+          </a:effectRef>
+          <a:fontRef idx="minor">
+            <a:schemeClr val="lt1"/>
+          </a:fontRef>
+        </p:style>
+        <p:txBody>
+          <a:bodyPr rtlCol="0" anchor="ctr"/>
+          <a:lstStyle/>
+          <a:p>
+            <a:pPr algn="ctr"/>
+            <a:endParaRPr lang="zh-CN" altLang="en-US"/>
+          </a:p>
+        </p:txBody>
+      </p:sp>
+      <p:sp>
+        <p:nvSpPr>
+          <p:cNvPr id="17" name="椭圆 16"/>
+          <p:cNvSpPr/>
+          <p:nvPr/>
+        </p:nvSpPr>
+        <p:spPr>
+          <a:xfrm>
+            <a:off x="5203372" y="1751311"/>
+            <a:ext cx="1778000" cy="1778000"/>
+          </a:xfrm>
+          <a:prstGeom prst="ellipse">
+            <a:avLst/>
+          </a:prstGeom>
+          <a:solidFill>
+            <a:srgbClr val="EE1C39"/>
+          </a:solidFill>
+          <a:ln w="28575">
+            <a:solidFill>
+              <a:schemeClr val="bg1"/>
+            </a:solidFill>
+          </a:ln>
+        </p:spPr>
+        <p:style>
+          <a:lnRef idx="2">
+            <a:schemeClr val="accent1">
+              <a:shade val="50000"/>
+            </a:schemeClr>
+          </a:lnRef>
+          <a:fillRef idx="1">
+            <a:schemeClr val="accent1"/>
+          </a:fillRef>
+          <a:effectRef idx="0">
+            <a:schemeClr val="accent1"/>
+          </a:effectRef>
+          <a:fontRef idx="minor">
+            <a:schemeClr val="lt1"/>
+          </a:fontRef>
+        </p:style>
+        <p:txBody>
+          <a:bodyPr rot="0" spcFirstLastPara="0" vertOverflow="overflow" horzOverflow="overflow" vert="horz" wrap="square" lIns="91440" tIns="45720" rIns="91440" bIns="45720" numCol="1" spcCol="0" rtlCol="0" fromWordArt="0" anchor="ctr" anchorCtr="0" forceAA="0" compatLnSpc="1">
+            <a:prstTxWarp prst="textNoShape">
+              <a:avLst/>
+            </a:prstTxWarp>
+            <a:noAutofit/>
+          </a:bodyPr>
+          <a:lstStyle/>
+          <a:p>
+            <a:pPr algn="ctr"/>
+            <a:endParaRPr lang="zh-CN" altLang="en-US"/>
+          </a:p>
+        </p:txBody>
+      </p:sp>
+      <p:sp>
+        <p:nvSpPr>
+          <p:cNvPr id="14" name="Freeform 106"/>
+          <p:cNvSpPr>
+            <a:spLocks/>
+          </p:cNvSpPr>
+          <p:nvPr/>
+        </p:nvSpPr>
+        <p:spPr bwMode="auto">
+          <a:xfrm>
+            <a:off x="6092372" y="2635696"/>
+            <a:ext cx="0" cy="9231"/>
+          </a:xfrm>
+          <a:custGeom>
+            <a:avLst/>
+            <a:gdLst>
+              <a:gd name="T0" fmla="*/ 0 h 1"/>
+              <a:gd name="T1" fmla="*/ 1 h 1"/>
+              <a:gd name="T2" fmla="*/ 1 h 1"/>
+              <a:gd name="T3" fmla="*/ 0 h 1"/>
+            </a:gdLst>
+            <a:ahLst/>
+            <a:cxnLst>
+              <a:cxn ang="0">
+                <a:pos x="0" y="T0"/>
+              </a:cxn>
+              <a:cxn ang="0">
+                <a:pos x="0" y="T1"/>
+              </a:cxn>
+              <a:cxn ang="0">
+                <a:pos x="0" y="T2"/>
+              </a:cxn>
+              <a:cxn ang="0">
+                <a:pos x="0" y="T3"/>
+              </a:cxn>
+            </a:cxnLst>
+            <a:rect l="0" t="0" r="r" b="b"/>
+            <a:pathLst>
+              <a:path h="1">
+                <a:moveTo>
+                  <a:pt x="0" y="0"/>
+                </a:moveTo>
+                <a:cubicBezTo>
+                  <a:pt x="0" y="0"/>
+                  <a:pt x="0" y="0"/>
+                  <a:pt x="0" y="1"/>
+                </a:cubicBezTo>
+                <a:cubicBezTo>
+                  <a:pt x="0" y="1"/>
+                  <a:pt x="0" y="1"/>
+                  <a:pt x="0" y="1"/>
+                </a:cubicBezTo>
+                <a:lnTo>
+                  <a:pt x="0" y="0"/>
+                </a:lnTo>
+                <a:close/>
+              </a:path>
+            </a:pathLst>
+          </a:custGeom>
+          <a:solidFill>
+            <a:srgbClr val="EE1C39"/>
+          </a:solidFill>
+          <a:ln>
+            <a:noFill/>
+          </a:ln>
+          <a:extLst>
+            <a:ext uri="{91240B29-F687-4F45-9708-019B960494DF}">
+              <a14:hiddenLine xmlns:a14="http://schemas.microsoft.com/office/drawing/2010/main" w="9525">
+                <a:solidFill>
+                  <a:srgbClr val="000000"/>
+                </a:solidFill>
+                <a:round/>
+                <a:headEnd/>
+                <a:tailEnd/>
+              </a14:hiddenLine>
+            </a:ext>
+          </a:extLst>
+        </p:spPr>
+        <p:txBody>
+          <a:bodyPr vert="horz" wrap="square" lIns="91440" tIns="45720" rIns="91440" bIns="45720" numCol="1" anchor="t" anchorCtr="0" compatLnSpc="1">
+            <a:prstTxWarp prst="textNoShape">
+              <a:avLst/>
+            </a:prstTxWarp>
+          </a:bodyPr>
+          <a:lstStyle/>
+          <a:p>
+            <a:endParaRPr lang="zh-CN" altLang="en-US"/>
+          </a:p>
+        </p:txBody>
+      </p:sp>
+      <p:sp>
+        <p:nvSpPr>
+          <p:cNvPr id="15" name="Freeform 107"/>
+          <p:cNvSpPr>
+            <a:spLocks/>
+          </p:cNvSpPr>
+          <p:nvPr/>
+        </p:nvSpPr>
+        <p:spPr bwMode="auto">
+          <a:xfrm>
+            <a:off x="6092372" y="2640311"/>
+            <a:ext cx="0" cy="0"/>
+          </a:xfrm>
+          <a:custGeom>
+            <a:avLst/>
+            <a:gdLst/>
+            <a:ahLst/>
+            <a:cxnLst>
+              <a:cxn ang="0">
+                <a:pos x="0" y="0"/>
+              </a:cxn>
+              <a:cxn ang="0">
+                <a:pos x="0" y="0"/>
+              </a:cxn>
+              <a:cxn ang="0">
+                <a:pos x="0" y="0"/>
+              </a:cxn>
+            </a:cxnLst>
+            <a:rect l="0" t="0" r="r" b="b"/>
+            <a:pathLst>
+              <a:path>
+                <a:moveTo>
+                  <a:pt x="0" y="0"/>
+                </a:moveTo>
+                <a:cubicBezTo>
+                  <a:pt x="0" y="0"/>
+                  <a:pt x="0" y="0"/>
+                  <a:pt x="0" y="0"/>
+                </a:cubicBezTo>
+                <a:cubicBezTo>
+                  <a:pt x="0" y="0"/>
+                  <a:pt x="0" y="0"/>
+                  <a:pt x="0" y="0"/>
+                </a:cubicBezTo>
+                <a:close/>
+              </a:path>
+            </a:pathLst>
+          </a:custGeom>
+          <a:solidFill>
+            <a:srgbClr val="EE1C39"/>
+          </a:solidFill>
+          <a:ln>
+            <a:noFill/>
+          </a:ln>
+          <a:extLst>
+            <a:ext uri="{91240B29-F687-4F45-9708-019B960494DF}">
+              <a14:hiddenLine xmlns:a14="http://schemas.microsoft.com/office/drawing/2010/main" w="9525">
+                <a:solidFill>
+                  <a:srgbClr val="000000"/>
+                </a:solidFill>
+                <a:round/>
+                <a:headEnd/>
+                <a:tailEnd/>
+              </a14:hiddenLine>
+            </a:ext>
+          </a:extLst>
+        </p:spPr>
+        <p:txBody>
+          <a:bodyPr vert="horz" wrap="square" lIns="91440" tIns="45720" rIns="91440" bIns="45720" numCol="1" anchor="t" anchorCtr="0" compatLnSpc="1">
+            <a:prstTxWarp prst="textNoShape">
+              <a:avLst/>
+            </a:prstTxWarp>
+          </a:bodyPr>
+          <a:lstStyle/>
+          <a:p>
+            <a:endParaRPr lang="zh-CN" altLang="en-US"/>
+          </a:p>
+        </p:txBody>
+      </p:sp>
+      <p:sp>
+        <p:nvSpPr>
+          <p:cNvPr id="22" name="文本框 21"/>
+          <p:cNvSpPr txBox="1"/>
+          <p:nvPr/>
+        </p:nvSpPr>
+        <p:spPr>
+          <a:xfrm>
+            <a:off x="5391810" y="2078861"/>
+            <a:ext cx="1442080" cy="1200329"/>
+          </a:xfrm>
+          <a:prstGeom prst="rect">
+            <a:avLst/>
+          </a:prstGeom>
+          <a:noFill/>
+        </p:spPr>
+        <p:txBody>
+          <a:bodyPr wrap="square" rtlCol="0">
+            <a:spAutoFit/>
+          </a:bodyPr>
+          <a:lstStyle/>
+          <a:p>
+            <a:pPr algn="ctr"/>
+            <a:r>
+              <a:rPr lang="en-US" altLang="zh-CN" sz="7200" b="1" dirty="0" smtClean="0">
+                <a:solidFill>
+                  <a:schemeClr val="bg1"/>
+                </a:solidFill>
+                <a:latin typeface="Roboto" pitchFamily="2" charset="0"/>
+                <a:ea typeface="Roboto" pitchFamily="2" charset="0"/>
+              </a:rPr>
+              <a:t>01</a:t>
+            </a:r>
+            <a:endParaRPr lang="zh-CN" altLang="en-US" sz="7200" b="1" dirty="0">
+              <a:solidFill>
+                <a:schemeClr val="bg1"/>
+              </a:solidFill>
+              <a:latin typeface="Roboto" pitchFamily="2" charset="0"/>
+            </a:endParaRPr>
+          </a:p>
+        </p:txBody>
+      </p:sp>
+      <p:sp>
+        <p:nvSpPr>
+          <p:cNvPr id="23" name="矩形 22"/>
+          <p:cNvSpPr/>
+          <p:nvPr/>
+        </p:nvSpPr>
+        <p:spPr>
+          <a:xfrm>
+            <a:off x="5203372" y="6438900"/>
+            <a:ext cx="1817882" cy="483163"/>
+          </a:xfrm>
+          <a:prstGeom prst="rect">
+            <a:avLst/>
+          </a:prstGeom>
+          <a:solidFill>
+            <a:srgbClr val="EE1C39"/>
+          </a:solidFill>
+          <a:ln>
+            <a:noFill/>
+          </a:ln>
+        </p:spPr>
+        <p:style>
+          <a:lnRef idx="2">
+            <a:schemeClr val="accent1">
+              <a:shade val="50000"/>
+            </a:schemeClr>
+          </a:lnRef>
+          <a:fillRef idx="1">
+            <a:schemeClr val="accent1"/>
+          </a:fillRef>
+          <a:effectRef idx="0">
+            <a:schemeClr val="accent1"/>
+          </a:effectRef>
+          <a:fontRef idx="minor">
+            <a:schemeClr val="lt1"/>
+          </a:fontRef>
+        </p:style>
+        <p:txBody>
+          <a:bodyPr rtlCol="0" anchor="ctr"/>
+          <a:lstStyle/>
+          <a:p>
+            <a:pPr algn="ctr"/>
+            <a:endParaRPr lang="zh-CN" altLang="en-US"/>
+          </a:p>
+        </p:txBody>
+      </p:sp>
+    </p:spTree>
+    <p:extLst>
+      <p:ext uri="{BB962C8B-B14F-4D97-AF65-F5344CB8AC3E}">
+        <p14:creationId xmlns:p14="http://schemas.microsoft.com/office/powerpoint/2010/main" val="1636763027"/>
+      </p:ext>
+    </p:extLst>
+  </p:cSld>
+  <p:clrMapOvr>
+    <a:masterClrMapping/>
+  </p:clrMapOvr>
+  <p:transition spd="slow">
+    <p:push dir="u"/>
+  </p:transition>
+  <p:timing>
+    <p:tnLst>
+      <p:par>
+        <p:cTn id="1" dur="indefinite" restart="never" nodeType="tmRoot"/>
+      </p:par>
+    </p:tnLst>
+  </p:timing>
+</p:sld>
+</file>
+
+<file path=ppt/slides/slide20.xml><?xml version="1.0" encoding="utf-8"?>
 <p:sld xmlns:a="http://schemas.openxmlformats.org/drawingml/2006/main" xmlns:r="http://schemas.openxmlformats.org/officeDocument/2006/relationships" xmlns:p="http://schemas.openxmlformats.org/presentationml/2006/main">
   <p:cSld>
     <p:spTree>
@@ -26565,7 +28946,7 @@
                   </a:solidFill>
                   <a:latin typeface="Roboto" pitchFamily="2" charset="0"/>
                 </a:rPr>
-                <a:t>02</a:t>
+                <a:t>03</a:t>
               </a:r>
               <a:endParaRPr lang="zh-CN" altLang="en-US" sz="3200" spc="300" dirty="0">
                 <a:solidFill>
@@ -26609,7 +28990,7 @@
                 <a:latin typeface="Roboto" pitchFamily="2" charset="0"/>
               </a:rPr>
               <a:pPr algn="ctr"/>
-              <a:t>17</a:t>
+              <a:t>20</a:t>
             </a:fld>
             <a:endParaRPr lang="zh-CN" altLang="en-US" sz="1800" dirty="0">
               <a:solidFill>
@@ -26988,7 +29369,7 @@
 </p:sld>
 </file>
 
-<file path=ppt/slides/slide18.xml><?xml version="1.0" encoding="utf-8"?>
+<file path=ppt/slides/slide21.xml><?xml version="1.0" encoding="utf-8"?>
 <p:sld xmlns:a="http://schemas.openxmlformats.org/drawingml/2006/main" xmlns:r="http://schemas.openxmlformats.org/officeDocument/2006/relationships" xmlns:p="http://schemas.openxmlformats.org/presentationml/2006/main">
   <p:cSld>
     <p:spTree>
@@ -27207,7 +29588,7 @@
                   </a:solidFill>
                   <a:latin typeface="Roboto" pitchFamily="2" charset="0"/>
                 </a:rPr>
-                <a:t>01</a:t>
+                <a:t>03</a:t>
               </a:r>
               <a:endParaRPr lang="zh-CN" altLang="en-US" sz="3200" spc="300" dirty="0">
                 <a:solidFill>
@@ -27251,7 +29632,7 @@
                 <a:latin typeface="Roboto" pitchFamily="2" charset="0"/>
               </a:rPr>
               <a:pPr algn="ctr"/>
-              <a:t>18</a:t>
+              <a:t>21</a:t>
             </a:fld>
             <a:endParaRPr lang="zh-CN" altLang="en-US" sz="1800" dirty="0">
               <a:solidFill>
@@ -27763,7 +30144,7 @@
 </p:sld>
 </file>
 
-<file path=ppt/slides/slide19.xml><?xml version="1.0" encoding="utf-8"?>
+<file path=ppt/slides/slide22.xml><?xml version="1.0" encoding="utf-8"?>
 <p:sld xmlns:a="http://schemas.openxmlformats.org/drawingml/2006/main" xmlns:r="http://schemas.openxmlformats.org/officeDocument/2006/relationships" xmlns:p="http://schemas.openxmlformats.org/presentationml/2006/main">
   <p:cSld>
     <p:spTree>
@@ -28715,445 +31096,7 @@
 </p:sld>
 </file>
 
-<file path=ppt/slides/slide2.xml><?xml version="1.0" encoding="utf-8"?>
-<p:sld xmlns:a="http://schemas.openxmlformats.org/drawingml/2006/main" xmlns:r="http://schemas.openxmlformats.org/officeDocument/2006/relationships" xmlns:p="http://schemas.openxmlformats.org/presentationml/2006/main">
-  <p:cSld>
-    <p:spTree>
-      <p:nvGrpSpPr>
-        <p:cNvPr id="1" name=""/>
-        <p:cNvGrpSpPr/>
-        <p:nvPr/>
-      </p:nvGrpSpPr>
-      <p:grpSpPr>
-        <a:xfrm>
-          <a:off x="0" y="0"/>
-          <a:ext cx="0" cy="0"/>
-          <a:chOff x="0" y="0"/>
-          <a:chExt cx="0" cy="0"/>
-        </a:xfrm>
-      </p:grpSpPr>
-      <p:sp>
-        <p:nvSpPr>
-          <p:cNvPr id="21" name="文本框 20"/>
-          <p:cNvSpPr txBox="1"/>
-          <p:nvPr/>
-        </p:nvSpPr>
-        <p:spPr>
-          <a:xfrm>
-            <a:off x="1944754" y="4476274"/>
-            <a:ext cx="8302493" cy="1015663"/>
-          </a:xfrm>
-          <a:prstGeom prst="rect">
-            <a:avLst/>
-          </a:prstGeom>
-          <a:noFill/>
-        </p:spPr>
-        <p:txBody>
-          <a:bodyPr wrap="square" rtlCol="0">
-            <a:spAutoFit/>
-          </a:bodyPr>
-          <a:lstStyle/>
-          <a:p>
-            <a:pPr algn="ctr"/>
-            <a:r>
-              <a:rPr lang="en-US" altLang="zh-CN" sz="6000" dirty="0" smtClean="0">
-                <a:solidFill>
-                  <a:schemeClr val="bg1"/>
-                </a:solidFill>
-                <a:latin typeface="Roboto" pitchFamily="2" charset="0"/>
-                <a:ea typeface="Roboto" pitchFamily="2" charset="0"/>
-              </a:rPr>
-              <a:t>Introduction</a:t>
-            </a:r>
-            <a:endParaRPr lang="zh-CN" altLang="en-US" sz="6000" dirty="0">
-              <a:solidFill>
-                <a:schemeClr val="bg1"/>
-              </a:solidFill>
-              <a:latin typeface="Roboto" pitchFamily="2" charset="0"/>
-            </a:endParaRPr>
-          </a:p>
-        </p:txBody>
-      </p:sp>
-      <p:sp>
-        <p:nvSpPr>
-          <p:cNvPr id="8" name="矩形 7"/>
-          <p:cNvSpPr/>
-          <p:nvPr/>
-        </p:nvSpPr>
-        <p:spPr>
-          <a:xfrm>
-            <a:off x="5187950" y="-9525"/>
-            <a:ext cx="1816100" cy="2645221"/>
-          </a:xfrm>
-          <a:prstGeom prst="rect">
-            <a:avLst/>
-          </a:prstGeom>
-          <a:solidFill>
-            <a:srgbClr val="EE1C39"/>
-          </a:solidFill>
-          <a:ln>
-            <a:noFill/>
-          </a:ln>
-        </p:spPr>
-        <p:style>
-          <a:lnRef idx="2">
-            <a:schemeClr val="accent1">
-              <a:shade val="50000"/>
-            </a:schemeClr>
-          </a:lnRef>
-          <a:fillRef idx="1">
-            <a:schemeClr val="accent1"/>
-          </a:fillRef>
-          <a:effectRef idx="0">
-            <a:schemeClr val="accent1"/>
-          </a:effectRef>
-          <a:fontRef idx="minor">
-            <a:schemeClr val="lt1"/>
-          </a:fontRef>
-        </p:style>
-        <p:txBody>
-          <a:bodyPr rtlCol="0" anchor="ctr"/>
-          <a:lstStyle/>
-          <a:p>
-            <a:pPr algn="ctr"/>
-            <a:endParaRPr lang="zh-CN" altLang="en-US"/>
-          </a:p>
-        </p:txBody>
-      </p:sp>
-      <p:sp>
-        <p:nvSpPr>
-          <p:cNvPr id="17" name="椭圆 16"/>
-          <p:cNvSpPr/>
-          <p:nvPr/>
-        </p:nvSpPr>
-        <p:spPr>
-          <a:xfrm>
-            <a:off x="5203372" y="1751311"/>
-            <a:ext cx="1778000" cy="1778000"/>
-          </a:xfrm>
-          <a:prstGeom prst="ellipse">
-            <a:avLst/>
-          </a:prstGeom>
-          <a:solidFill>
-            <a:srgbClr val="EE1C39"/>
-          </a:solidFill>
-          <a:ln w="28575">
-            <a:solidFill>
-              <a:schemeClr val="bg1"/>
-            </a:solidFill>
-          </a:ln>
-        </p:spPr>
-        <p:style>
-          <a:lnRef idx="2">
-            <a:schemeClr val="accent1">
-              <a:shade val="50000"/>
-            </a:schemeClr>
-          </a:lnRef>
-          <a:fillRef idx="1">
-            <a:schemeClr val="accent1"/>
-          </a:fillRef>
-          <a:effectRef idx="0">
-            <a:schemeClr val="accent1"/>
-          </a:effectRef>
-          <a:fontRef idx="minor">
-            <a:schemeClr val="lt1"/>
-          </a:fontRef>
-        </p:style>
-        <p:txBody>
-          <a:bodyPr rot="0" spcFirstLastPara="0" vertOverflow="overflow" horzOverflow="overflow" vert="horz" wrap="square" lIns="91440" tIns="45720" rIns="91440" bIns="45720" numCol="1" spcCol="0" rtlCol="0" fromWordArt="0" anchor="ctr" anchorCtr="0" forceAA="0" compatLnSpc="1">
-            <a:prstTxWarp prst="textNoShape">
-              <a:avLst/>
-            </a:prstTxWarp>
-            <a:noAutofit/>
-          </a:bodyPr>
-          <a:lstStyle/>
-          <a:p>
-            <a:pPr algn="ctr"/>
-            <a:endParaRPr lang="zh-CN" altLang="en-US"/>
-          </a:p>
-        </p:txBody>
-      </p:sp>
-      <p:sp>
-        <p:nvSpPr>
-          <p:cNvPr id="14" name="Freeform 106"/>
-          <p:cNvSpPr>
-            <a:spLocks/>
-          </p:cNvSpPr>
-          <p:nvPr/>
-        </p:nvSpPr>
-        <p:spPr bwMode="auto">
-          <a:xfrm>
-            <a:off x="6092372" y="2635696"/>
-            <a:ext cx="0" cy="9231"/>
-          </a:xfrm>
-          <a:custGeom>
-            <a:avLst/>
-            <a:gdLst>
-              <a:gd name="T0" fmla="*/ 0 h 1"/>
-              <a:gd name="T1" fmla="*/ 1 h 1"/>
-              <a:gd name="T2" fmla="*/ 1 h 1"/>
-              <a:gd name="T3" fmla="*/ 0 h 1"/>
-            </a:gdLst>
-            <a:ahLst/>
-            <a:cxnLst>
-              <a:cxn ang="0">
-                <a:pos x="0" y="T0"/>
-              </a:cxn>
-              <a:cxn ang="0">
-                <a:pos x="0" y="T1"/>
-              </a:cxn>
-              <a:cxn ang="0">
-                <a:pos x="0" y="T2"/>
-              </a:cxn>
-              <a:cxn ang="0">
-                <a:pos x="0" y="T3"/>
-              </a:cxn>
-            </a:cxnLst>
-            <a:rect l="0" t="0" r="r" b="b"/>
-            <a:pathLst>
-              <a:path h="1">
-                <a:moveTo>
-                  <a:pt x="0" y="0"/>
-                </a:moveTo>
-                <a:cubicBezTo>
-                  <a:pt x="0" y="0"/>
-                  <a:pt x="0" y="0"/>
-                  <a:pt x="0" y="1"/>
-                </a:cubicBezTo>
-                <a:cubicBezTo>
-                  <a:pt x="0" y="1"/>
-                  <a:pt x="0" y="1"/>
-                  <a:pt x="0" y="1"/>
-                </a:cubicBezTo>
-                <a:lnTo>
-                  <a:pt x="0" y="0"/>
-                </a:lnTo>
-                <a:close/>
-              </a:path>
-            </a:pathLst>
-          </a:custGeom>
-          <a:solidFill>
-            <a:srgbClr val="EE1C39"/>
-          </a:solidFill>
-          <a:ln>
-            <a:noFill/>
-          </a:ln>
-          <a:extLst>
-            <a:ext uri="{91240B29-F687-4F45-9708-019B960494DF}">
-              <a14:hiddenLine xmlns:a14="http://schemas.microsoft.com/office/drawing/2010/main" w="9525">
-                <a:solidFill>
-                  <a:srgbClr val="000000"/>
-                </a:solidFill>
-                <a:round/>
-                <a:headEnd/>
-                <a:tailEnd/>
-              </a14:hiddenLine>
-            </a:ext>
-          </a:extLst>
-        </p:spPr>
-        <p:txBody>
-          <a:bodyPr vert="horz" wrap="square" lIns="91440" tIns="45720" rIns="91440" bIns="45720" numCol="1" anchor="t" anchorCtr="0" compatLnSpc="1">
-            <a:prstTxWarp prst="textNoShape">
-              <a:avLst/>
-            </a:prstTxWarp>
-          </a:bodyPr>
-          <a:lstStyle/>
-          <a:p>
-            <a:endParaRPr lang="zh-CN" altLang="en-US"/>
-          </a:p>
-        </p:txBody>
-      </p:sp>
-      <p:sp>
-        <p:nvSpPr>
-          <p:cNvPr id="15" name="Freeform 107"/>
-          <p:cNvSpPr>
-            <a:spLocks/>
-          </p:cNvSpPr>
-          <p:nvPr/>
-        </p:nvSpPr>
-        <p:spPr bwMode="auto">
-          <a:xfrm>
-            <a:off x="6092372" y="2640311"/>
-            <a:ext cx="0" cy="0"/>
-          </a:xfrm>
-          <a:custGeom>
-            <a:avLst/>
-            <a:gdLst/>
-            <a:ahLst/>
-            <a:cxnLst>
-              <a:cxn ang="0">
-                <a:pos x="0" y="0"/>
-              </a:cxn>
-              <a:cxn ang="0">
-                <a:pos x="0" y="0"/>
-              </a:cxn>
-              <a:cxn ang="0">
-                <a:pos x="0" y="0"/>
-              </a:cxn>
-            </a:cxnLst>
-            <a:rect l="0" t="0" r="r" b="b"/>
-            <a:pathLst>
-              <a:path>
-                <a:moveTo>
-                  <a:pt x="0" y="0"/>
-                </a:moveTo>
-                <a:cubicBezTo>
-                  <a:pt x="0" y="0"/>
-                  <a:pt x="0" y="0"/>
-                  <a:pt x="0" y="0"/>
-                </a:cubicBezTo>
-                <a:cubicBezTo>
-                  <a:pt x="0" y="0"/>
-                  <a:pt x="0" y="0"/>
-                  <a:pt x="0" y="0"/>
-                </a:cubicBezTo>
-                <a:close/>
-              </a:path>
-            </a:pathLst>
-          </a:custGeom>
-          <a:solidFill>
-            <a:srgbClr val="EE1C39"/>
-          </a:solidFill>
-          <a:ln>
-            <a:noFill/>
-          </a:ln>
-          <a:extLst>
-            <a:ext uri="{91240B29-F687-4F45-9708-019B960494DF}">
-              <a14:hiddenLine xmlns:a14="http://schemas.microsoft.com/office/drawing/2010/main" w="9525">
-                <a:solidFill>
-                  <a:srgbClr val="000000"/>
-                </a:solidFill>
-                <a:round/>
-                <a:headEnd/>
-                <a:tailEnd/>
-              </a14:hiddenLine>
-            </a:ext>
-          </a:extLst>
-        </p:spPr>
-        <p:txBody>
-          <a:bodyPr vert="horz" wrap="square" lIns="91440" tIns="45720" rIns="91440" bIns="45720" numCol="1" anchor="t" anchorCtr="0" compatLnSpc="1">
-            <a:prstTxWarp prst="textNoShape">
-              <a:avLst/>
-            </a:prstTxWarp>
-          </a:bodyPr>
-          <a:lstStyle/>
-          <a:p>
-            <a:endParaRPr lang="zh-CN" altLang="en-US"/>
-          </a:p>
-        </p:txBody>
-      </p:sp>
-      <p:sp>
-        <p:nvSpPr>
-          <p:cNvPr id="22" name="文本框 21"/>
-          <p:cNvSpPr txBox="1"/>
-          <p:nvPr/>
-        </p:nvSpPr>
-        <p:spPr>
-          <a:xfrm>
-            <a:off x="5391810" y="2078861"/>
-            <a:ext cx="1442080" cy="1200329"/>
-          </a:xfrm>
-          <a:prstGeom prst="rect">
-            <a:avLst/>
-          </a:prstGeom>
-          <a:noFill/>
-        </p:spPr>
-        <p:txBody>
-          <a:bodyPr wrap="square" rtlCol="0">
-            <a:spAutoFit/>
-          </a:bodyPr>
-          <a:lstStyle/>
-          <a:p>
-            <a:pPr algn="ctr"/>
-            <a:r>
-              <a:rPr lang="en-US" altLang="zh-CN" sz="7200" b="1" dirty="0" smtClean="0">
-                <a:solidFill>
-                  <a:schemeClr val="bg1"/>
-                </a:solidFill>
-                <a:latin typeface="Roboto" pitchFamily="2" charset="0"/>
-                <a:ea typeface="Roboto" pitchFamily="2" charset="0"/>
-              </a:rPr>
-              <a:t>01</a:t>
-            </a:r>
-            <a:endParaRPr lang="zh-CN" altLang="en-US" sz="7200" b="1" dirty="0">
-              <a:solidFill>
-                <a:schemeClr val="bg1"/>
-              </a:solidFill>
-              <a:latin typeface="Roboto" pitchFamily="2" charset="0"/>
-            </a:endParaRPr>
-          </a:p>
-        </p:txBody>
-      </p:sp>
-      <p:sp>
-        <p:nvSpPr>
-          <p:cNvPr id="23" name="矩形 22"/>
-          <p:cNvSpPr/>
-          <p:nvPr/>
-        </p:nvSpPr>
-        <p:spPr>
-          <a:xfrm>
-            <a:off x="5203372" y="6438900"/>
-            <a:ext cx="1817882" cy="483163"/>
-          </a:xfrm>
-          <a:prstGeom prst="rect">
-            <a:avLst/>
-          </a:prstGeom>
-          <a:solidFill>
-            <a:srgbClr val="EE1C39"/>
-          </a:solidFill>
-          <a:ln>
-            <a:noFill/>
-          </a:ln>
-        </p:spPr>
-        <p:style>
-          <a:lnRef idx="2">
-            <a:schemeClr val="accent1">
-              <a:shade val="50000"/>
-            </a:schemeClr>
-          </a:lnRef>
-          <a:fillRef idx="1">
-            <a:schemeClr val="accent1"/>
-          </a:fillRef>
-          <a:effectRef idx="0">
-            <a:schemeClr val="accent1"/>
-          </a:effectRef>
-          <a:fontRef idx="minor">
-            <a:schemeClr val="lt1"/>
-          </a:fontRef>
-        </p:style>
-        <p:txBody>
-          <a:bodyPr rtlCol="0" anchor="ctr"/>
-          <a:lstStyle/>
-          <a:p>
-            <a:pPr algn="ctr"/>
-            <a:endParaRPr lang="zh-CN" altLang="en-US"/>
-          </a:p>
-        </p:txBody>
-      </p:sp>
-    </p:spTree>
-    <p:extLst>
-      <p:ext uri="{BB962C8B-B14F-4D97-AF65-F5344CB8AC3E}">
-        <p14:creationId xmlns:p14="http://schemas.microsoft.com/office/powerpoint/2010/main" val="1636763027"/>
-      </p:ext>
-    </p:extLst>
-  </p:cSld>
-  <p:clrMapOvr>
-    <a:masterClrMapping/>
-  </p:clrMapOvr>
-  <p:transition spd="slow">
-    <p:push dir="u"/>
-  </p:transition>
-  <p:timing>
-    <p:tnLst>
-      <p:par>
-        <p:cTn id="1" dur="indefinite" restart="never" nodeType="tmRoot"/>
-      </p:par>
-    </p:tnLst>
-  </p:timing>
-</p:sld>
-</file>
-
-<file path=ppt/slides/slide20.xml><?xml version="1.0" encoding="utf-8"?>
+<file path=ppt/slides/slide23.xml><?xml version="1.0" encoding="utf-8"?>
 <p:sld xmlns:a="http://schemas.openxmlformats.org/drawingml/2006/main" xmlns:r="http://schemas.openxmlformats.org/officeDocument/2006/relationships" xmlns:p="http://schemas.openxmlformats.org/presentationml/2006/main">
   <p:cSld>
     <p:spTree>
